--- a/Windows Powershell-day 1.pptx
+++ b/Windows Powershell-day 1.pptx
@@ -10,6 +10,17 @@
     <p:sldId id="260" r:id="rId4"/>
     <p:sldId id="261" r:id="rId5"/>
     <p:sldId id="262" r:id="rId6"/>
+    <p:sldId id="272" r:id="rId7"/>
+    <p:sldId id="263" r:id="rId8"/>
+    <p:sldId id="264" r:id="rId9"/>
+    <p:sldId id="271" r:id="rId10"/>
+    <p:sldId id="278" r:id="rId11"/>
+    <p:sldId id="266" r:id="rId12"/>
+    <p:sldId id="267" r:id="rId13"/>
+    <p:sldId id="273" r:id="rId14"/>
+    <p:sldId id="274" r:id="rId15"/>
+    <p:sldId id="275" r:id="rId16"/>
+    <p:sldId id="276" r:id="rId17"/>
   </p:sldIdLst>
   <p:sldSz cx="12192000" cy="6858000"/>
   <p:notesSz cx="6858000" cy="9144000"/>
@@ -108,6 +119,11 @@
       </a:defRPr>
     </a:lvl9pPr>
   </p:defaultTextStyle>
+  <p:extLst>
+    <p:ext uri="{EFAFB233-063F-42B5-8137-9DF3F51BA10A}">
+      <p15:sldGuideLst xmlns:p15="http://schemas.microsoft.com/office/powerpoint/2012/main"/>
+    </p:ext>
+  </p:extLst>
 </p:presentation>
 </file>
 
@@ -260,7 +276,7 @@
           <a:p>
             <a:fld id="{8B8CBDFF-462B-47C4-B2D0-FA7D35DAFB29}" type="datetimeFigureOut">
               <a:rPr lang="en-IN" smtClean="0"/>
-              <a:t>28-09-2022</a:t>
+              <a:t>29-09-2022</a:t>
             </a:fld>
             <a:endParaRPr lang="en-IN"/>
           </a:p>
@@ -460,7 +476,7 @@
           <a:p>
             <a:fld id="{8B8CBDFF-462B-47C4-B2D0-FA7D35DAFB29}" type="datetimeFigureOut">
               <a:rPr lang="en-IN" smtClean="0"/>
-              <a:t>28-09-2022</a:t>
+              <a:t>29-09-2022</a:t>
             </a:fld>
             <a:endParaRPr lang="en-IN"/>
           </a:p>
@@ -670,7 +686,7 @@
           <a:p>
             <a:fld id="{8B8CBDFF-462B-47C4-B2D0-FA7D35DAFB29}" type="datetimeFigureOut">
               <a:rPr lang="en-IN" smtClean="0"/>
-              <a:t>28-09-2022</a:t>
+              <a:t>29-09-2022</a:t>
             </a:fld>
             <a:endParaRPr lang="en-IN"/>
           </a:p>
@@ -870,7 +886,7 @@
           <a:p>
             <a:fld id="{8B8CBDFF-462B-47C4-B2D0-FA7D35DAFB29}" type="datetimeFigureOut">
               <a:rPr lang="en-IN" smtClean="0"/>
-              <a:t>28-09-2022</a:t>
+              <a:t>29-09-2022</a:t>
             </a:fld>
             <a:endParaRPr lang="en-IN"/>
           </a:p>
@@ -1146,7 +1162,7 @@
           <a:p>
             <a:fld id="{8B8CBDFF-462B-47C4-B2D0-FA7D35DAFB29}" type="datetimeFigureOut">
               <a:rPr lang="en-IN" smtClean="0"/>
-              <a:t>28-09-2022</a:t>
+              <a:t>29-09-2022</a:t>
             </a:fld>
             <a:endParaRPr lang="en-IN"/>
           </a:p>
@@ -1414,7 +1430,7 @@
           <a:p>
             <a:fld id="{8B8CBDFF-462B-47C4-B2D0-FA7D35DAFB29}" type="datetimeFigureOut">
               <a:rPr lang="en-IN" smtClean="0"/>
-              <a:t>28-09-2022</a:t>
+              <a:t>29-09-2022</a:t>
             </a:fld>
             <a:endParaRPr lang="en-IN"/>
           </a:p>
@@ -1829,7 +1845,7 @@
           <a:p>
             <a:fld id="{8B8CBDFF-462B-47C4-B2D0-FA7D35DAFB29}" type="datetimeFigureOut">
               <a:rPr lang="en-IN" smtClean="0"/>
-              <a:t>28-09-2022</a:t>
+              <a:t>29-09-2022</a:t>
             </a:fld>
             <a:endParaRPr lang="en-IN"/>
           </a:p>
@@ -1971,7 +1987,7 @@
           <a:p>
             <a:fld id="{8B8CBDFF-462B-47C4-B2D0-FA7D35DAFB29}" type="datetimeFigureOut">
               <a:rPr lang="en-IN" smtClean="0"/>
-              <a:t>28-09-2022</a:t>
+              <a:t>29-09-2022</a:t>
             </a:fld>
             <a:endParaRPr lang="en-IN"/>
           </a:p>
@@ -2084,7 +2100,7 @@
           <a:p>
             <a:fld id="{8B8CBDFF-462B-47C4-B2D0-FA7D35DAFB29}" type="datetimeFigureOut">
               <a:rPr lang="en-IN" smtClean="0"/>
-              <a:t>28-09-2022</a:t>
+              <a:t>29-09-2022</a:t>
             </a:fld>
             <a:endParaRPr lang="en-IN"/>
           </a:p>
@@ -2397,7 +2413,7 @@
           <a:p>
             <a:fld id="{8B8CBDFF-462B-47C4-B2D0-FA7D35DAFB29}" type="datetimeFigureOut">
               <a:rPr lang="en-IN" smtClean="0"/>
-              <a:t>28-09-2022</a:t>
+              <a:t>29-09-2022</a:t>
             </a:fld>
             <a:endParaRPr lang="en-IN"/>
           </a:p>
@@ -2686,7 +2702,7 @@
           <a:p>
             <a:fld id="{8B8CBDFF-462B-47C4-B2D0-FA7D35DAFB29}" type="datetimeFigureOut">
               <a:rPr lang="en-IN" smtClean="0"/>
-              <a:t>28-09-2022</a:t>
+              <a:t>29-09-2022</a:t>
             </a:fld>
             <a:endParaRPr lang="en-IN"/>
           </a:p>
@@ -2929,7 +2945,7 @@
           <a:p>
             <a:fld id="{8B8CBDFF-462B-47C4-B2D0-FA7D35DAFB29}" type="datetimeFigureOut">
               <a:rPr lang="en-IN" smtClean="0"/>
-              <a:t>28-09-2022</a:t>
+              <a:t>29-09-2022</a:t>
             </a:fld>
             <a:endParaRPr lang="en-IN"/>
           </a:p>
@@ -3492,6 +3508,2001 @@
 </p:sld>
 </file>
 
+<file path=ppt/slides/slide10.xml><?xml version="1.0" encoding="utf-8"?>
+<p:sld xmlns:a="http://schemas.openxmlformats.org/drawingml/2006/main" xmlns:r="http://schemas.openxmlformats.org/officeDocument/2006/relationships" xmlns:p="http://schemas.openxmlformats.org/presentationml/2006/main">
+  <p:cSld>
+    <p:spTree>
+      <p:nvGrpSpPr>
+        <p:cNvPr id="1" name=""/>
+        <p:cNvGrpSpPr/>
+        <p:nvPr/>
+      </p:nvGrpSpPr>
+      <p:grpSpPr>
+        <a:xfrm>
+          <a:off x="0" y="0"/>
+          <a:ext cx="0" cy="0"/>
+          <a:chOff x="0" y="0"/>
+          <a:chExt cx="0" cy="0"/>
+        </a:xfrm>
+      </p:grpSpPr>
+      <p:sp>
+        <p:nvSpPr>
+          <p:cNvPr id="2" name="Title 1">
+            <a:extLst>
+              <a:ext uri="{FF2B5EF4-FFF2-40B4-BE49-F238E27FC236}">
+                <a16:creationId xmlns:a16="http://schemas.microsoft.com/office/drawing/2014/main" id="{B11E5803-8F42-8ED8-6240-006113DEC82B}"/>
+              </a:ext>
+            </a:extLst>
+          </p:cNvPr>
+          <p:cNvSpPr>
+            <a:spLocks noGrp="1"/>
+          </p:cNvSpPr>
+          <p:nvPr>
+            <p:ph type="title"/>
+          </p:nvPr>
+        </p:nvSpPr>
+        <p:spPr/>
+        <p:txBody>
+          <a:bodyPr/>
+          <a:lstStyle/>
+          <a:p>
+            <a:endParaRPr lang="en-IN"/>
+          </a:p>
+        </p:txBody>
+      </p:sp>
+      <p:sp>
+        <p:nvSpPr>
+          <p:cNvPr id="3" name="Content Placeholder 2">
+            <a:extLst>
+              <a:ext uri="{FF2B5EF4-FFF2-40B4-BE49-F238E27FC236}">
+                <a16:creationId xmlns:a16="http://schemas.microsoft.com/office/drawing/2014/main" id="{7913B101-24A7-97CB-F413-7C3C0FF7D5EF}"/>
+              </a:ext>
+            </a:extLst>
+          </p:cNvPr>
+          <p:cNvSpPr>
+            <a:spLocks noGrp="1"/>
+          </p:cNvSpPr>
+          <p:nvPr>
+            <p:ph idx="1"/>
+          </p:nvPr>
+        </p:nvSpPr>
+        <p:spPr/>
+        <p:txBody>
+          <a:bodyPr>
+            <a:normAutofit lnSpcReduction="10000"/>
+          </a:bodyPr>
+          <a:lstStyle/>
+          <a:p>
+            <a:r>
+              <a:rPr lang="en-IN" sz="2000" dirty="0"/>
+              <a:t>How to delete variables ?</a:t>
+            </a:r>
+          </a:p>
+          <a:p>
+            <a:endParaRPr lang="en-IN" sz="2000" dirty="0"/>
+          </a:p>
+          <a:p>
+            <a:endParaRPr lang="en-IN" sz="2000" dirty="0"/>
+          </a:p>
+          <a:p>
+            <a:endParaRPr lang="en-IN" sz="2000" dirty="0"/>
+          </a:p>
+          <a:p>
+            <a:endParaRPr lang="en-IN" sz="2000" dirty="0"/>
+          </a:p>
+          <a:p>
+            <a:r>
+              <a:rPr lang="en-IN" sz="2000" dirty="0"/>
+              <a:t>Single and double quotes ?</a:t>
+            </a:r>
+          </a:p>
+          <a:p>
+            <a:endParaRPr lang="en-IN" sz="2000" dirty="0"/>
+          </a:p>
+          <a:p>
+            <a:pPr algn="l"/>
+            <a:r>
+              <a:rPr lang="en-US" sz="2000" b="0" i="0" dirty="0">
+                <a:solidFill>
+                  <a:srgbClr val="212529"/>
+                </a:solidFill>
+                <a:effectLst/>
+                <a:latin typeface="Arial" panose="020B0604020202020204" pitchFamily="34" charset="0"/>
+              </a:rPr>
+              <a:t>Variables inside double quotes (") are interpreted unless they are commented out with `</a:t>
+            </a:r>
+          </a:p>
+          <a:p>
+            <a:pPr algn="l"/>
+            <a:r>
+              <a:rPr lang="en-US" sz="2000" b="0" i="0" dirty="0">
+                <a:solidFill>
+                  <a:srgbClr val="212529"/>
+                </a:solidFill>
+                <a:effectLst/>
+                <a:latin typeface="Arial" panose="020B0604020202020204" pitchFamily="34" charset="0"/>
+              </a:rPr>
+              <a:t>Variables inside single quotes (') are not interpreted.</a:t>
+            </a:r>
+          </a:p>
+          <a:p>
+            <a:br>
+              <a:rPr lang="en-US" sz="2000" dirty="0"/>
+            </a:br>
+            <a:r>
+              <a:rPr lang="en-US" sz="2000" b="0" i="0" dirty="0">
+                <a:solidFill>
+                  <a:srgbClr val="212529"/>
+                </a:solidFill>
+                <a:effectLst/>
+                <a:latin typeface="Arial" panose="020B0604020202020204" pitchFamily="34" charset="0"/>
+              </a:rPr>
+              <a:t>Input of variables by the user</a:t>
+            </a:r>
+          </a:p>
+          <a:p>
+            <a:r>
+              <a:rPr lang="en-US" sz="2000" b="0" i="0" dirty="0">
+                <a:solidFill>
+                  <a:srgbClr val="CF4573"/>
+                </a:solidFill>
+                <a:effectLst/>
+                <a:latin typeface="SFMono-Regular"/>
+              </a:rPr>
+              <a:t>[int]$x=read-host -prompt "please enter a number“</a:t>
+            </a:r>
+          </a:p>
+          <a:p>
+            <a:endParaRPr lang="en-IN" sz="2000" dirty="0"/>
+          </a:p>
+        </p:txBody>
+      </p:sp>
+      <p:pic>
+        <p:nvPicPr>
+          <p:cNvPr id="5" name="Picture 4">
+            <a:extLst>
+              <a:ext uri="{FF2B5EF4-FFF2-40B4-BE49-F238E27FC236}">
+                <a16:creationId xmlns:a16="http://schemas.microsoft.com/office/drawing/2014/main" id="{2B9C88F0-E34F-8D21-5121-B7C457100123}"/>
+              </a:ext>
+            </a:extLst>
+          </p:cNvPr>
+          <p:cNvPicPr>
+            <a:picLocks noChangeAspect="1"/>
+          </p:cNvPicPr>
+          <p:nvPr/>
+        </p:nvPicPr>
+        <p:blipFill>
+          <a:blip r:embed="rId2"/>
+          <a:stretch>
+            <a:fillRect/>
+          </a:stretch>
+        </p:blipFill>
+        <p:spPr>
+          <a:xfrm>
+            <a:off x="1394356" y="1027906"/>
+            <a:ext cx="4038808" cy="2178162"/>
+          </a:xfrm>
+          <a:prstGeom prst="rect">
+            <a:avLst/>
+          </a:prstGeom>
+        </p:spPr>
+      </p:pic>
+    </p:spTree>
+    <p:extLst>
+      <p:ext uri="{BB962C8B-B14F-4D97-AF65-F5344CB8AC3E}">
+        <p14:creationId xmlns:p14="http://schemas.microsoft.com/office/powerpoint/2010/main" val="91396201"/>
+      </p:ext>
+    </p:extLst>
+  </p:cSld>
+  <p:clrMapOvr>
+    <a:masterClrMapping/>
+  </p:clrMapOvr>
+</p:sld>
+</file>
+
+<file path=ppt/slides/slide11.xml><?xml version="1.0" encoding="utf-8"?>
+<p:sld xmlns:a="http://schemas.openxmlformats.org/drawingml/2006/main" xmlns:r="http://schemas.openxmlformats.org/officeDocument/2006/relationships" xmlns:p="http://schemas.openxmlformats.org/presentationml/2006/main">
+  <p:cSld>
+    <p:spTree>
+      <p:nvGrpSpPr>
+        <p:cNvPr id="1" name=""/>
+        <p:cNvGrpSpPr/>
+        <p:nvPr/>
+      </p:nvGrpSpPr>
+      <p:grpSpPr>
+        <a:xfrm>
+          <a:off x="0" y="0"/>
+          <a:ext cx="0" cy="0"/>
+          <a:chOff x="0" y="0"/>
+          <a:chExt cx="0" cy="0"/>
+        </a:xfrm>
+      </p:grpSpPr>
+      <p:sp>
+        <p:nvSpPr>
+          <p:cNvPr id="2" name="Title 1">
+            <a:extLst>
+              <a:ext uri="{FF2B5EF4-FFF2-40B4-BE49-F238E27FC236}">
+                <a16:creationId xmlns:a16="http://schemas.microsoft.com/office/drawing/2014/main" id="{B5C872CE-0723-DB23-7FCF-9A0AF3094C99}"/>
+              </a:ext>
+            </a:extLst>
+          </p:cNvPr>
+          <p:cNvSpPr>
+            <a:spLocks noGrp="1"/>
+          </p:cNvSpPr>
+          <p:nvPr>
+            <p:ph type="title"/>
+          </p:nvPr>
+        </p:nvSpPr>
+        <p:spPr>
+          <a:xfrm>
+            <a:off x="838200" y="91441"/>
+            <a:ext cx="10515600" cy="1599248"/>
+          </a:xfrm>
+        </p:spPr>
+        <p:txBody>
+          <a:bodyPr>
+            <a:normAutofit fontScale="90000"/>
+          </a:bodyPr>
+          <a:lstStyle/>
+          <a:p>
+            <a:br>
+              <a:rPr lang="en-IN" sz="2000" b="1" dirty="0"/>
+            </a:br>
+            <a:r>
+              <a:rPr lang="en-IN" sz="2700" b="1" dirty="0">
+                <a:latin typeface="+mn-lt"/>
+              </a:rPr>
+              <a:t>Datatypes :</a:t>
+            </a:r>
+            <a:br>
+              <a:rPr lang="en-IN" sz="2000" b="1" dirty="0">
+                <a:highlight>
+                  <a:srgbClr val="00FFFF"/>
+                </a:highlight>
+              </a:rPr>
+            </a:br>
+            <a:r>
+              <a:rPr lang="en-IN" sz="1900" dirty="0">
+                <a:latin typeface="+mn-lt"/>
+              </a:rPr>
+              <a:t>Datatype is kind of data used for variables</a:t>
+            </a:r>
+            <a:br>
+              <a:rPr lang="en-IN" sz="1900" dirty="0">
+                <a:latin typeface="+mn-lt"/>
+              </a:rPr>
+            </a:br>
+            <a:br>
+              <a:rPr lang="en-IN" sz="1900" dirty="0">
+                <a:latin typeface="+mn-lt"/>
+              </a:rPr>
+            </a:br>
+            <a:r>
+              <a:rPr lang="en-IN" sz="1900" b="1" dirty="0">
+                <a:latin typeface="+mn-lt"/>
+              </a:rPr>
+              <a:t>How to get type  ?</a:t>
+            </a:r>
+            <a:br>
+              <a:rPr lang="en-IN" sz="1900" dirty="0">
+                <a:latin typeface="+mn-lt"/>
+              </a:rPr>
+            </a:br>
+            <a:r>
+              <a:rPr lang="en-IN" sz="1900" dirty="0">
+                <a:latin typeface="+mn-lt"/>
+              </a:rPr>
+              <a:t>$hello=“good morning”</a:t>
+            </a:r>
+            <a:br>
+              <a:rPr lang="en-IN" sz="1900" dirty="0">
+                <a:latin typeface="+mn-lt"/>
+              </a:rPr>
+            </a:br>
+            <a:r>
+              <a:rPr lang="en-IN" sz="1900" dirty="0">
+                <a:latin typeface="+mn-lt"/>
+              </a:rPr>
+              <a:t>$</a:t>
+            </a:r>
+            <a:r>
+              <a:rPr lang="en-IN" sz="1900" dirty="0" err="1">
+                <a:latin typeface="+mn-lt"/>
+              </a:rPr>
+              <a:t>hello.GetType</a:t>
+            </a:r>
+            <a:r>
+              <a:rPr lang="en-IN" sz="1900" dirty="0">
+                <a:latin typeface="+mn-lt"/>
+              </a:rPr>
+              <a:t>()</a:t>
+            </a:r>
+            <a:br>
+              <a:rPr lang="en-IN" sz="1900" dirty="0"/>
+            </a:br>
+            <a:br>
+              <a:rPr lang="en-IN" sz="2000" dirty="0"/>
+            </a:br>
+            <a:endParaRPr lang="en-IN" sz="2000" b="1" dirty="0"/>
+          </a:p>
+        </p:txBody>
+      </p:sp>
+      <p:sp>
+        <p:nvSpPr>
+          <p:cNvPr id="3" name="Content Placeholder 2">
+            <a:extLst>
+              <a:ext uri="{FF2B5EF4-FFF2-40B4-BE49-F238E27FC236}">
+                <a16:creationId xmlns:a16="http://schemas.microsoft.com/office/drawing/2014/main" id="{6EA3ABC3-8494-13B8-11BF-6CDCC7FA20AC}"/>
+              </a:ext>
+            </a:extLst>
+          </p:cNvPr>
+          <p:cNvSpPr>
+            <a:spLocks noGrp="1"/>
+          </p:cNvSpPr>
+          <p:nvPr>
+            <p:ph sz="half" idx="1"/>
+          </p:nvPr>
+        </p:nvSpPr>
+        <p:spPr/>
+        <p:txBody>
+          <a:bodyPr>
+            <a:normAutofit fontScale="92500" lnSpcReduction="20000"/>
+          </a:bodyPr>
+          <a:lstStyle/>
+          <a:p>
+            <a:pPr marL="0" indent="0">
+              <a:buNone/>
+            </a:pPr>
+            <a:r>
+              <a:rPr lang="en-IN" sz="1800" b="1" u="sng" dirty="0"/>
+              <a:t>Dynamic data type</a:t>
+            </a:r>
+          </a:p>
+          <a:p>
+            <a:pPr marL="0" indent="0">
+              <a:buNone/>
+            </a:pPr>
+            <a:r>
+              <a:rPr lang="en-IN" sz="1800" b="1" dirty="0"/>
+              <a:t>Datatype can be automatically changes depending on data that is stored in variable</a:t>
+            </a:r>
+          </a:p>
+          <a:p>
+            <a:pPr marL="0" indent="0">
+              <a:buNone/>
+            </a:pPr>
+            <a:r>
+              <a:rPr lang="en-IN" sz="1800" dirty="0"/>
+              <a:t>   </a:t>
+            </a:r>
+            <a:r>
+              <a:rPr lang="en-IN" sz="1800" dirty="0">
+                <a:highlight>
+                  <a:srgbClr val="00FFFF"/>
+                </a:highlight>
+              </a:rPr>
+              <a:t>$message=“hello world”</a:t>
+            </a:r>
+          </a:p>
+          <a:p>
+            <a:pPr marL="0" indent="0">
+              <a:buNone/>
+            </a:pPr>
+            <a:r>
+              <a:rPr lang="en-IN" sz="1800" dirty="0"/>
+              <a:t>     </a:t>
+            </a:r>
+            <a:r>
+              <a:rPr lang="en-IN" sz="1800" dirty="0">
+                <a:highlight>
+                  <a:srgbClr val="00FFFF"/>
+                </a:highlight>
+              </a:rPr>
+              <a:t>$</a:t>
+            </a:r>
+            <a:r>
+              <a:rPr lang="en-IN" sz="1800" dirty="0" err="1">
+                <a:highlight>
+                  <a:srgbClr val="00FFFF"/>
+                </a:highlight>
+              </a:rPr>
+              <a:t>message.GetType</a:t>
+            </a:r>
+            <a:r>
+              <a:rPr lang="en-IN" sz="1800" dirty="0">
+                <a:highlight>
+                  <a:srgbClr val="00FFFF"/>
+                </a:highlight>
+              </a:rPr>
+              <a:t>()</a:t>
+            </a:r>
+          </a:p>
+          <a:p>
+            <a:pPr marL="0" indent="0">
+              <a:buNone/>
+            </a:pPr>
+            <a:r>
+              <a:rPr lang="en-IN" sz="1800" dirty="0"/>
+              <a:t>     o/p: string</a:t>
+            </a:r>
+          </a:p>
+          <a:p>
+            <a:pPr marL="0" indent="0">
+              <a:buNone/>
+            </a:pPr>
+            <a:r>
+              <a:rPr lang="en-IN" sz="1800" dirty="0"/>
+              <a:t>  </a:t>
+            </a:r>
+            <a:r>
+              <a:rPr lang="en-IN" sz="1800" dirty="0">
+                <a:highlight>
+                  <a:srgbClr val="00FFFF"/>
+                </a:highlight>
+              </a:rPr>
+              <a:t>$</a:t>
+            </a:r>
+            <a:r>
+              <a:rPr lang="en-IN" sz="1800" dirty="0" err="1">
+                <a:highlight>
+                  <a:srgbClr val="00FFFF"/>
+                </a:highlight>
+              </a:rPr>
+              <a:t>messge</a:t>
+            </a:r>
+            <a:r>
+              <a:rPr lang="en-IN" sz="1800" dirty="0">
+                <a:highlight>
+                  <a:srgbClr val="00FFFF"/>
+                </a:highlight>
+              </a:rPr>
+              <a:t>=100</a:t>
+            </a:r>
+          </a:p>
+          <a:p>
+            <a:pPr marL="0" indent="0">
+              <a:buNone/>
+            </a:pPr>
+            <a:r>
+              <a:rPr lang="en-IN" sz="1800" dirty="0">
+                <a:highlight>
+                  <a:srgbClr val="00FFFF"/>
+                </a:highlight>
+              </a:rPr>
+              <a:t>   $</a:t>
+            </a:r>
+            <a:r>
+              <a:rPr lang="en-IN" sz="1800" dirty="0" err="1">
+                <a:highlight>
+                  <a:srgbClr val="00FFFF"/>
+                </a:highlight>
+              </a:rPr>
+              <a:t>message.GetType</a:t>
+            </a:r>
+            <a:r>
+              <a:rPr lang="en-IN" sz="1800" dirty="0">
+                <a:highlight>
+                  <a:srgbClr val="00FFFF"/>
+                </a:highlight>
+              </a:rPr>
+              <a:t>()</a:t>
+            </a:r>
+          </a:p>
+          <a:p>
+            <a:pPr marL="0" indent="0">
+              <a:buNone/>
+            </a:pPr>
+            <a:r>
+              <a:rPr lang="en-IN" sz="1800" dirty="0"/>
+              <a:t>   o/p : Integer</a:t>
+            </a:r>
+          </a:p>
+          <a:p>
+            <a:pPr marL="0" indent="0">
+              <a:buNone/>
+            </a:pPr>
+            <a:endParaRPr lang="en-IN" sz="1800" dirty="0"/>
+          </a:p>
+          <a:p>
+            <a:pPr marL="0" indent="0">
+              <a:buNone/>
+            </a:pPr>
+            <a:endParaRPr lang="en-IN" sz="1800" dirty="0"/>
+          </a:p>
+          <a:p>
+            <a:pPr marL="0" indent="0">
+              <a:buNone/>
+            </a:pPr>
+            <a:endParaRPr lang="en-IN" sz="1800" dirty="0"/>
+          </a:p>
+          <a:p>
+            <a:pPr marL="0" indent="0">
+              <a:buNone/>
+            </a:pPr>
+            <a:r>
+              <a:rPr lang="en-IN" sz="1800" dirty="0"/>
+              <a:t>Scenario :when you are working on dynamic data</a:t>
+            </a:r>
+          </a:p>
+          <a:p>
+            <a:pPr marL="0" indent="0">
+              <a:buNone/>
+            </a:pPr>
+            <a:r>
+              <a:rPr lang="en-IN" sz="1800" dirty="0"/>
+              <a:t>             from systems</a:t>
+            </a:r>
+          </a:p>
+          <a:p>
+            <a:endParaRPr lang="en-IN" sz="1800" dirty="0"/>
+          </a:p>
+          <a:p>
+            <a:endParaRPr lang="en-IN" sz="1800" dirty="0"/>
+          </a:p>
+        </p:txBody>
+      </p:sp>
+      <p:sp>
+        <p:nvSpPr>
+          <p:cNvPr id="4" name="Content Placeholder 3">
+            <a:extLst>
+              <a:ext uri="{FF2B5EF4-FFF2-40B4-BE49-F238E27FC236}">
+                <a16:creationId xmlns:a16="http://schemas.microsoft.com/office/drawing/2014/main" id="{7E713875-3099-2071-3340-37F1535B51D4}"/>
+              </a:ext>
+            </a:extLst>
+          </p:cNvPr>
+          <p:cNvSpPr>
+            <a:spLocks noGrp="1"/>
+          </p:cNvSpPr>
+          <p:nvPr>
+            <p:ph sz="half" idx="2"/>
+          </p:nvPr>
+        </p:nvSpPr>
+        <p:spPr/>
+        <p:txBody>
+          <a:bodyPr>
+            <a:normAutofit fontScale="92500" lnSpcReduction="20000"/>
+          </a:bodyPr>
+          <a:lstStyle/>
+          <a:p>
+            <a:pPr marL="0" indent="0">
+              <a:buNone/>
+            </a:pPr>
+            <a:r>
+              <a:rPr lang="en-IN" sz="1800" b="1" u="sng" dirty="0"/>
+              <a:t>Static data type:</a:t>
+            </a:r>
+          </a:p>
+          <a:p>
+            <a:pPr marL="0" indent="0">
+              <a:buNone/>
+            </a:pPr>
+            <a:r>
+              <a:rPr lang="en-IN" sz="1800" b="1" dirty="0"/>
+              <a:t>Datatype can be fixed and can not be  changed</a:t>
+            </a:r>
+          </a:p>
+          <a:p>
+            <a:pPr marL="0" indent="0">
+              <a:buNone/>
+            </a:pPr>
+            <a:r>
+              <a:rPr lang="en-IN" sz="2000" dirty="0"/>
+              <a:t> Example</a:t>
+            </a:r>
+            <a:r>
+              <a:rPr lang="en-IN" sz="2000" dirty="0">
+                <a:highlight>
+                  <a:srgbClr val="00FFFF"/>
+                </a:highlight>
+              </a:rPr>
+              <a:t>:[string]$text=“hello”</a:t>
+            </a:r>
+          </a:p>
+          <a:p>
+            <a:pPr marL="0" indent="0">
+              <a:buNone/>
+            </a:pPr>
+            <a:r>
+              <a:rPr lang="en-IN" sz="2000" dirty="0">
+                <a:highlight>
+                  <a:srgbClr val="00FFFF"/>
+                </a:highlight>
+              </a:rPr>
+              <a:t>       $</a:t>
+            </a:r>
+            <a:r>
+              <a:rPr lang="en-IN" sz="2000" dirty="0" err="1">
+                <a:highlight>
+                  <a:srgbClr val="00FFFF"/>
+                </a:highlight>
+              </a:rPr>
+              <a:t>text.GetType</a:t>
+            </a:r>
+            <a:r>
+              <a:rPr lang="en-IN" sz="2000" dirty="0">
+                <a:highlight>
+                  <a:srgbClr val="00FFFF"/>
+                </a:highlight>
+              </a:rPr>
+              <a:t>()</a:t>
+            </a:r>
+          </a:p>
+          <a:p>
+            <a:pPr marL="0" indent="0">
+              <a:buNone/>
+            </a:pPr>
+            <a:r>
+              <a:rPr lang="en-IN" sz="2000" dirty="0">
+                <a:highlight>
+                  <a:srgbClr val="00FFFF"/>
+                </a:highlight>
+              </a:rPr>
+              <a:t>      $text=100</a:t>
+            </a:r>
+          </a:p>
+          <a:p>
+            <a:pPr marL="0" indent="0">
+              <a:buNone/>
+            </a:pPr>
+            <a:r>
+              <a:rPr lang="en-IN" sz="2000" dirty="0">
+                <a:highlight>
+                  <a:srgbClr val="00FFFF"/>
+                </a:highlight>
+              </a:rPr>
+              <a:t>$</a:t>
+            </a:r>
+            <a:r>
+              <a:rPr lang="en-IN" sz="2000" dirty="0" err="1">
+                <a:highlight>
+                  <a:srgbClr val="00FFFF"/>
+                </a:highlight>
+              </a:rPr>
+              <a:t>text.getType</a:t>
+            </a:r>
+            <a:r>
+              <a:rPr lang="en-IN" sz="2000" dirty="0">
+                <a:highlight>
+                  <a:srgbClr val="00FFFF"/>
+                </a:highlight>
+              </a:rPr>
+              <a:t>()</a:t>
+            </a:r>
+            <a:r>
+              <a:rPr lang="en-IN" sz="2000" dirty="0"/>
+              <a:t> = still string, so explicitly can not be changed</a:t>
+            </a:r>
+          </a:p>
+          <a:p>
+            <a:pPr marL="0" indent="0">
+              <a:buNone/>
+            </a:pPr>
+            <a:endParaRPr lang="en-IN" sz="2000" dirty="0"/>
+          </a:p>
+          <a:p>
+            <a:pPr marL="0" indent="0">
+              <a:buNone/>
+            </a:pPr>
+            <a:endParaRPr lang="en-IN" sz="2000" dirty="0"/>
+          </a:p>
+          <a:p>
+            <a:pPr marL="0" indent="0">
+              <a:buNone/>
+            </a:pPr>
+            <a:endParaRPr lang="en-IN" sz="2000" dirty="0"/>
+          </a:p>
+          <a:p>
+            <a:pPr marL="0" indent="0">
+              <a:buNone/>
+            </a:pPr>
+            <a:endParaRPr lang="en-IN" sz="2000" dirty="0"/>
+          </a:p>
+          <a:p>
+            <a:pPr marL="0" indent="0">
+              <a:buNone/>
+            </a:pPr>
+            <a:endParaRPr lang="en-IN" sz="2000" dirty="0"/>
+          </a:p>
+          <a:p>
+            <a:pPr marL="0" indent="0">
+              <a:buNone/>
+            </a:pPr>
+            <a:r>
+              <a:rPr lang="en-IN" sz="2000" dirty="0"/>
+              <a:t>              </a:t>
+            </a:r>
+          </a:p>
+          <a:p>
+            <a:pPr marL="0" indent="0">
+              <a:buNone/>
+            </a:pPr>
+            <a:endParaRPr lang="en-IN" sz="2000" dirty="0"/>
+          </a:p>
+          <a:p>
+            <a:pPr marL="0" indent="0">
+              <a:buNone/>
+            </a:pPr>
+            <a:endParaRPr lang="en-IN" sz="2000" dirty="0"/>
+          </a:p>
+          <a:p>
+            <a:endParaRPr lang="en-IN" b="1" dirty="0"/>
+          </a:p>
+          <a:p>
+            <a:endParaRPr lang="en-IN" b="1" dirty="0"/>
+          </a:p>
+        </p:txBody>
+      </p:sp>
+      <p:pic>
+        <p:nvPicPr>
+          <p:cNvPr id="10" name="Picture 9">
+            <a:extLst>
+              <a:ext uri="{FF2B5EF4-FFF2-40B4-BE49-F238E27FC236}">
+                <a16:creationId xmlns:a16="http://schemas.microsoft.com/office/drawing/2014/main" id="{0A246065-A9F7-4AFF-6E06-B8E81B4861F0}"/>
+              </a:ext>
+            </a:extLst>
+          </p:cNvPr>
+          <p:cNvPicPr>
+            <a:picLocks noChangeAspect="1"/>
+          </p:cNvPicPr>
+          <p:nvPr/>
+        </p:nvPicPr>
+        <p:blipFill>
+          <a:blip r:embed="rId2"/>
+          <a:stretch>
+            <a:fillRect/>
+          </a:stretch>
+        </p:blipFill>
+        <p:spPr>
+          <a:xfrm>
+            <a:off x="6172200" y="3835400"/>
+            <a:ext cx="5473981" cy="2121009"/>
+          </a:xfrm>
+          <a:prstGeom prst="rect">
+            <a:avLst/>
+          </a:prstGeom>
+        </p:spPr>
+      </p:pic>
+    </p:spTree>
+    <p:extLst>
+      <p:ext uri="{BB962C8B-B14F-4D97-AF65-F5344CB8AC3E}">
+        <p14:creationId xmlns:p14="http://schemas.microsoft.com/office/powerpoint/2010/main" val="631023125"/>
+      </p:ext>
+    </p:extLst>
+  </p:cSld>
+  <p:clrMapOvr>
+    <a:masterClrMapping/>
+  </p:clrMapOvr>
+</p:sld>
+</file>
+
+<file path=ppt/slides/slide12.xml><?xml version="1.0" encoding="utf-8"?>
+<p:sld xmlns:a="http://schemas.openxmlformats.org/drawingml/2006/main" xmlns:r="http://schemas.openxmlformats.org/officeDocument/2006/relationships" xmlns:p="http://schemas.openxmlformats.org/presentationml/2006/main">
+  <p:cSld>
+    <p:spTree>
+      <p:nvGrpSpPr>
+        <p:cNvPr id="1" name=""/>
+        <p:cNvGrpSpPr/>
+        <p:nvPr/>
+      </p:nvGrpSpPr>
+      <p:grpSpPr>
+        <a:xfrm>
+          <a:off x="0" y="0"/>
+          <a:ext cx="0" cy="0"/>
+          <a:chOff x="0" y="0"/>
+          <a:chExt cx="0" cy="0"/>
+        </a:xfrm>
+      </p:grpSpPr>
+      <p:sp>
+        <p:nvSpPr>
+          <p:cNvPr id="2" name="Title 1">
+            <a:extLst>
+              <a:ext uri="{FF2B5EF4-FFF2-40B4-BE49-F238E27FC236}">
+                <a16:creationId xmlns:a16="http://schemas.microsoft.com/office/drawing/2014/main" id="{88FC7926-3CBD-C9FA-F46E-377BA3859DCC}"/>
+              </a:ext>
+            </a:extLst>
+          </p:cNvPr>
+          <p:cNvSpPr>
+            <a:spLocks noGrp="1"/>
+          </p:cNvSpPr>
+          <p:nvPr>
+            <p:ph type="title"/>
+          </p:nvPr>
+        </p:nvSpPr>
+        <p:spPr>
+          <a:xfrm>
+            <a:off x="838200" y="365125"/>
+            <a:ext cx="10515600" cy="884555"/>
+          </a:xfrm>
+        </p:spPr>
+        <p:txBody>
+          <a:bodyPr>
+            <a:normAutofit/>
+          </a:bodyPr>
+          <a:lstStyle/>
+          <a:p>
+            <a:r>
+              <a:rPr lang="en-IN" sz="2000" b="1" dirty="0">
+                <a:latin typeface="+mn-lt"/>
+              </a:rPr>
+              <a:t>Types of data in </a:t>
+            </a:r>
+            <a:r>
+              <a:rPr lang="en-IN" sz="2000" b="1" dirty="0" err="1">
+                <a:latin typeface="+mn-lt"/>
+              </a:rPr>
+              <a:t>powershell</a:t>
+            </a:r>
+            <a:endParaRPr lang="en-IN" sz="2000" b="1" dirty="0">
+              <a:latin typeface="+mn-lt"/>
+            </a:endParaRPr>
+          </a:p>
+        </p:txBody>
+      </p:sp>
+      <p:sp>
+        <p:nvSpPr>
+          <p:cNvPr id="3" name="Content Placeholder 2">
+            <a:extLst>
+              <a:ext uri="{FF2B5EF4-FFF2-40B4-BE49-F238E27FC236}">
+                <a16:creationId xmlns:a16="http://schemas.microsoft.com/office/drawing/2014/main" id="{FA8EA201-C5AA-035E-D13F-3FB8ECBB2500}"/>
+              </a:ext>
+            </a:extLst>
+          </p:cNvPr>
+          <p:cNvSpPr>
+            <a:spLocks noGrp="1"/>
+          </p:cNvSpPr>
+          <p:nvPr>
+            <p:ph idx="1"/>
+          </p:nvPr>
+        </p:nvSpPr>
+        <p:spPr>
+          <a:xfrm>
+            <a:off x="838200" y="1249680"/>
+            <a:ext cx="10515600" cy="4927283"/>
+          </a:xfrm>
+        </p:spPr>
+        <p:txBody>
+          <a:bodyPr>
+            <a:normAutofit/>
+          </a:bodyPr>
+          <a:lstStyle/>
+          <a:p>
+            <a:pPr marL="0" indent="0">
+              <a:buNone/>
+            </a:pPr>
+            <a:r>
+              <a:rPr lang="en-IN" sz="1600" dirty="0"/>
+              <a:t>1</a:t>
+            </a:r>
+            <a:r>
+              <a:rPr lang="en-IN" sz="1600" b="1" dirty="0"/>
+              <a:t>. special types </a:t>
+            </a:r>
+          </a:p>
+          <a:p>
+            <a:pPr marL="0" indent="0">
+              <a:buNone/>
+            </a:pPr>
+            <a:r>
+              <a:rPr lang="en-IN" sz="1600" dirty="0"/>
+              <a:t>        a. The void type</a:t>
+            </a:r>
+          </a:p>
+          <a:p>
+            <a:pPr marL="0" indent="0">
+              <a:buNone/>
+            </a:pPr>
+            <a:r>
+              <a:rPr lang="en-IN" sz="1600" dirty="0"/>
+              <a:t>        </a:t>
+            </a:r>
+            <a:r>
+              <a:rPr lang="en-IN" sz="1600" dirty="0" err="1"/>
+              <a:t>b.The</a:t>
+            </a:r>
+            <a:r>
+              <a:rPr lang="en-IN" sz="1600" dirty="0"/>
+              <a:t> $null type   -null type [null]</a:t>
+            </a:r>
+          </a:p>
+          <a:p>
+            <a:pPr marL="0" indent="0">
+              <a:buNone/>
+            </a:pPr>
+            <a:r>
+              <a:rPr lang="en-IN" sz="1600" dirty="0"/>
+              <a:t>        c. The Object Type</a:t>
+            </a:r>
+          </a:p>
+          <a:p>
+            <a:pPr marL="0" indent="0">
+              <a:buNone/>
+            </a:pPr>
+            <a:r>
+              <a:rPr lang="en-IN" sz="1600" b="1" dirty="0"/>
+              <a:t>2. Value Types</a:t>
+            </a:r>
+          </a:p>
+          <a:p>
+            <a:pPr marL="0" indent="0">
+              <a:buNone/>
+            </a:pPr>
+            <a:r>
+              <a:rPr lang="en-IN" sz="1600" dirty="0"/>
+              <a:t>         a. Boolean  - [bool] (yes or no)</a:t>
+            </a:r>
+          </a:p>
+          <a:p>
+            <a:pPr marL="0" indent="0">
+              <a:buNone/>
+            </a:pPr>
+            <a:r>
+              <a:rPr lang="en-IN" sz="1600" dirty="0"/>
+              <a:t>         b. Character   -[char](defines single character)</a:t>
+            </a:r>
+          </a:p>
+          <a:p>
+            <a:pPr marL="0" indent="0">
+              <a:buNone/>
+            </a:pPr>
+            <a:r>
+              <a:rPr lang="en-IN" sz="1600" dirty="0"/>
+              <a:t>         c. Integer –(numeric values)</a:t>
+            </a:r>
+          </a:p>
+          <a:p>
+            <a:pPr marL="0" indent="0">
+              <a:buNone/>
+            </a:pPr>
+            <a:r>
+              <a:rPr lang="en-IN" sz="1600" dirty="0"/>
+              <a:t>         d. Real numbers like float and double – 13.2 or 13.22</a:t>
+            </a:r>
+          </a:p>
+          <a:p>
+            <a:pPr marL="0" indent="0">
+              <a:buNone/>
+            </a:pPr>
+            <a:r>
+              <a:rPr lang="en-IN" sz="1600" dirty="0"/>
+              <a:t>         e. decimal  (13.33333333)</a:t>
+            </a:r>
+          </a:p>
+          <a:p>
+            <a:pPr marL="0" indent="0">
+              <a:buNone/>
+            </a:pPr>
+            <a:r>
+              <a:rPr lang="en-IN" sz="1600" dirty="0">
+                <a:solidFill>
+                  <a:srgbClr val="171717"/>
+                </a:solidFill>
+                <a:latin typeface="SFMono-Regular"/>
+              </a:rPr>
+              <a:t>         </a:t>
+            </a:r>
+          </a:p>
+          <a:p>
+            <a:pPr marL="0" indent="0">
+              <a:buNone/>
+            </a:pPr>
+            <a:endParaRPr lang="en-IN" sz="1600" dirty="0"/>
+          </a:p>
+          <a:p>
+            <a:pPr marL="0" indent="0">
+              <a:buNone/>
+            </a:pPr>
+            <a:r>
+              <a:rPr lang="en-US" sz="1600" b="1" i="0" dirty="0">
+                <a:solidFill>
+                  <a:srgbClr val="202124"/>
+                </a:solidFill>
+                <a:effectLst/>
+                <a:latin typeface="arial" panose="020B0604020202020204" pitchFamily="34" charset="0"/>
+              </a:rPr>
+              <a:t>Float represent data with single precision</a:t>
+            </a:r>
+            <a:r>
+              <a:rPr lang="en-US" sz="1600" b="0" i="0" dirty="0">
+                <a:solidFill>
+                  <a:srgbClr val="202124"/>
+                </a:solidFill>
+                <a:effectLst/>
+                <a:latin typeface="arial" panose="020B0604020202020204" pitchFamily="34" charset="0"/>
+              </a:rPr>
+              <a:t>. Double represent data with double precision. Decimal has higher precision than float and Double</a:t>
+            </a:r>
+            <a:endParaRPr lang="en-IN" sz="1600" dirty="0"/>
+          </a:p>
+          <a:p>
+            <a:pPr marL="0" indent="0">
+              <a:buNone/>
+            </a:pPr>
+            <a:endParaRPr lang="en-IN" sz="1600" dirty="0"/>
+          </a:p>
+          <a:p>
+            <a:endParaRPr lang="en-IN" sz="1600" dirty="0"/>
+          </a:p>
+        </p:txBody>
+      </p:sp>
+    </p:spTree>
+    <p:extLst>
+      <p:ext uri="{BB962C8B-B14F-4D97-AF65-F5344CB8AC3E}">
+        <p14:creationId xmlns:p14="http://schemas.microsoft.com/office/powerpoint/2010/main" val="1723141353"/>
+      </p:ext>
+    </p:extLst>
+  </p:cSld>
+  <p:clrMapOvr>
+    <a:masterClrMapping/>
+  </p:clrMapOvr>
+</p:sld>
+</file>
+
+<file path=ppt/slides/slide13.xml><?xml version="1.0" encoding="utf-8"?>
+<p:sld xmlns:a="http://schemas.openxmlformats.org/drawingml/2006/main" xmlns:r="http://schemas.openxmlformats.org/officeDocument/2006/relationships" xmlns:p="http://schemas.openxmlformats.org/presentationml/2006/main">
+  <p:cSld>
+    <p:spTree>
+      <p:nvGrpSpPr>
+        <p:cNvPr id="1" name=""/>
+        <p:cNvGrpSpPr/>
+        <p:nvPr/>
+      </p:nvGrpSpPr>
+      <p:grpSpPr>
+        <a:xfrm>
+          <a:off x="0" y="0"/>
+          <a:ext cx="0" cy="0"/>
+          <a:chOff x="0" y="0"/>
+          <a:chExt cx="0" cy="0"/>
+        </a:xfrm>
+      </p:grpSpPr>
+      <p:sp>
+        <p:nvSpPr>
+          <p:cNvPr id="2" name="Title 1">
+            <a:extLst>
+              <a:ext uri="{FF2B5EF4-FFF2-40B4-BE49-F238E27FC236}">
+                <a16:creationId xmlns:a16="http://schemas.microsoft.com/office/drawing/2014/main" id="{A03CA150-199A-643B-3D45-0D131B829BB2}"/>
+              </a:ext>
+            </a:extLst>
+          </p:cNvPr>
+          <p:cNvSpPr>
+            <a:spLocks noGrp="1"/>
+          </p:cNvSpPr>
+          <p:nvPr>
+            <p:ph type="title"/>
+          </p:nvPr>
+        </p:nvSpPr>
+        <p:spPr/>
+        <p:txBody>
+          <a:bodyPr/>
+          <a:lstStyle/>
+          <a:p>
+            <a:r>
+              <a:rPr lang="en-IN" dirty="0"/>
+              <a:t>Types contd..</a:t>
+            </a:r>
+          </a:p>
+        </p:txBody>
+      </p:sp>
+      <p:sp>
+        <p:nvSpPr>
+          <p:cNvPr id="3" name="Content Placeholder 2">
+            <a:extLst>
+              <a:ext uri="{FF2B5EF4-FFF2-40B4-BE49-F238E27FC236}">
+                <a16:creationId xmlns:a16="http://schemas.microsoft.com/office/drawing/2014/main" id="{45B58996-D09E-CA45-824F-74F05650713A}"/>
+              </a:ext>
+            </a:extLst>
+          </p:cNvPr>
+          <p:cNvSpPr>
+            <a:spLocks noGrp="1"/>
+          </p:cNvSpPr>
+          <p:nvPr>
+            <p:ph idx="1"/>
+          </p:nvPr>
+        </p:nvSpPr>
+        <p:spPr>
+          <a:xfrm>
+            <a:off x="924560" y="1825625"/>
+            <a:ext cx="10429240" cy="4351338"/>
+          </a:xfrm>
+        </p:spPr>
+        <p:txBody>
+          <a:bodyPr>
+            <a:normAutofit fontScale="62500" lnSpcReduction="20000"/>
+          </a:bodyPr>
+          <a:lstStyle/>
+          <a:p>
+            <a:r>
+              <a:rPr lang="en-IN" sz="1800" b="1" dirty="0"/>
+              <a:t>Reference types</a:t>
+            </a:r>
+          </a:p>
+          <a:p>
+            <a:pPr marL="0" indent="0">
+              <a:buNone/>
+            </a:pPr>
+            <a:r>
+              <a:rPr lang="en-IN" sz="1800" dirty="0"/>
+              <a:t>          1. Strings –collection of characters</a:t>
+            </a:r>
+          </a:p>
+          <a:p>
+            <a:pPr marL="0" indent="0">
+              <a:buNone/>
+            </a:pPr>
+            <a:r>
+              <a:rPr lang="en-IN" sz="1800" dirty="0"/>
+              <a:t>        $a= “test”</a:t>
+            </a:r>
+          </a:p>
+          <a:p>
+            <a:pPr marL="0" indent="0">
+              <a:buNone/>
+            </a:pPr>
+            <a:r>
+              <a:rPr lang="en-IN" sz="1800" dirty="0"/>
+              <a:t>          2. Arrays- </a:t>
+            </a:r>
+            <a:r>
+              <a:rPr lang="en-US" sz="1600" b="0" i="0" dirty="0">
+                <a:solidFill>
+                  <a:srgbClr val="202124"/>
+                </a:solidFill>
+                <a:effectLst/>
+                <a:latin typeface="arial" panose="020B0604020202020204" pitchFamily="34" charset="0"/>
+              </a:rPr>
+              <a:t>An array is </a:t>
+            </a:r>
+            <a:r>
+              <a:rPr lang="en-US" sz="1600" b="1" i="0" dirty="0">
+                <a:solidFill>
+                  <a:srgbClr val="202124"/>
+                </a:solidFill>
+                <a:effectLst/>
+                <a:latin typeface="arial" panose="020B0604020202020204" pitchFamily="34" charset="0"/>
+              </a:rPr>
+              <a:t>a data structure that is designed to store a collection of items</a:t>
+            </a:r>
+            <a:r>
+              <a:rPr lang="en-US" sz="1600" b="0" i="0" dirty="0">
+                <a:solidFill>
+                  <a:srgbClr val="202124"/>
+                </a:solidFill>
+                <a:effectLst/>
+                <a:latin typeface="arial" panose="020B0604020202020204" pitchFamily="34" charset="0"/>
+              </a:rPr>
+              <a:t>. The items can be         the same type or different types</a:t>
+            </a:r>
+          </a:p>
+          <a:p>
+            <a:pPr marL="0" indent="0">
+              <a:buNone/>
+            </a:pPr>
+            <a:r>
+              <a:rPr lang="en-US" sz="1600" dirty="0">
+                <a:solidFill>
+                  <a:srgbClr val="202124"/>
+                </a:solidFill>
+                <a:latin typeface="arial" panose="020B0604020202020204" pitchFamily="34" charset="0"/>
+              </a:rPr>
+              <a:t>$a=(“test”,123,”test2)</a:t>
+            </a:r>
+          </a:p>
+          <a:p>
+            <a:pPr marL="0" indent="0">
+              <a:buNone/>
+            </a:pPr>
+            <a:r>
+              <a:rPr lang="en-IN" sz="1600" dirty="0"/>
+              <a:t>a[0],a[1]</a:t>
+            </a:r>
+          </a:p>
+          <a:p>
+            <a:pPr marL="0" indent="0">
+              <a:buNone/>
+            </a:pPr>
+            <a:r>
+              <a:rPr lang="en-IN" sz="1600" dirty="0"/>
+              <a:t>    </a:t>
+            </a:r>
+          </a:p>
+          <a:p>
+            <a:pPr marL="0" indent="0">
+              <a:buNone/>
+            </a:pPr>
+            <a:r>
+              <a:rPr lang="en-IN" sz="1600" dirty="0"/>
+              <a:t>3. </a:t>
+            </a:r>
+            <a:r>
+              <a:rPr lang="en-IN" sz="1600" dirty="0" err="1"/>
+              <a:t>Hashtables</a:t>
+            </a:r>
+            <a:r>
+              <a:rPr lang="en-IN" sz="1600" dirty="0"/>
+              <a:t> : </a:t>
+            </a:r>
+            <a:r>
+              <a:rPr lang="en-US" sz="1100" b="0" i="0" dirty="0">
+                <a:solidFill>
+                  <a:srgbClr val="202124"/>
+                </a:solidFill>
+                <a:effectLst/>
+                <a:latin typeface="arial" panose="020B0604020202020204" pitchFamily="34" charset="0"/>
+              </a:rPr>
+              <a:t>s</a:t>
+            </a:r>
+            <a:r>
+              <a:rPr lang="en-US" sz="1800" b="0" i="0" dirty="0">
+                <a:solidFill>
+                  <a:srgbClr val="202124"/>
+                </a:solidFill>
+                <a:effectLst/>
+                <a:latin typeface="arial" panose="020B0604020202020204" pitchFamily="34" charset="0"/>
+              </a:rPr>
+              <a:t> </a:t>
+            </a:r>
+            <a:r>
+              <a:rPr lang="en-US" sz="1800" b="1" i="0" dirty="0">
+                <a:solidFill>
+                  <a:srgbClr val="202124"/>
+                </a:solidFill>
+                <a:effectLst/>
+                <a:latin typeface="arial" panose="020B0604020202020204" pitchFamily="34" charset="0"/>
+              </a:rPr>
+              <a:t>a compact data structure that stores one or more key/value pairs</a:t>
+            </a:r>
+            <a:r>
+              <a:rPr lang="en-US" sz="1800" b="0" i="0" dirty="0">
+                <a:solidFill>
+                  <a:srgbClr val="202124"/>
+                </a:solidFill>
+                <a:effectLst/>
+                <a:latin typeface="arial" panose="020B0604020202020204" pitchFamily="34" charset="0"/>
+              </a:rPr>
+              <a:t>. </a:t>
+            </a:r>
+          </a:p>
+          <a:p>
+            <a:pPr marL="0" indent="0">
+              <a:buNone/>
+            </a:pPr>
+            <a:endParaRPr lang="en-US" sz="1800" b="0" i="0" dirty="0">
+              <a:solidFill>
+                <a:srgbClr val="202124"/>
+              </a:solidFill>
+              <a:effectLst/>
+              <a:latin typeface="arial" panose="020B0604020202020204" pitchFamily="34" charset="0"/>
+            </a:endParaRPr>
+          </a:p>
+          <a:p>
+            <a:pPr marL="0" indent="0">
+              <a:buNone/>
+            </a:pPr>
+            <a:r>
+              <a:rPr lang="en-US" sz="1800" dirty="0">
+                <a:solidFill>
+                  <a:srgbClr val="202124"/>
+                </a:solidFill>
+                <a:latin typeface="arial" panose="020B0604020202020204" pitchFamily="34" charset="0"/>
+              </a:rPr>
+              <a:t>$h1 = @{ FirstName = "James"; </a:t>
+            </a:r>
+            <a:r>
+              <a:rPr lang="en-US" sz="1800" dirty="0" err="1">
+                <a:solidFill>
+                  <a:srgbClr val="202124"/>
+                </a:solidFill>
+                <a:latin typeface="arial" panose="020B0604020202020204" pitchFamily="34" charset="0"/>
+              </a:rPr>
+              <a:t>LastName</a:t>
+            </a:r>
+            <a:r>
+              <a:rPr lang="en-US" sz="1800" dirty="0">
+                <a:solidFill>
+                  <a:srgbClr val="202124"/>
+                </a:solidFill>
+                <a:latin typeface="arial" panose="020B0604020202020204" pitchFamily="34" charset="0"/>
+              </a:rPr>
+              <a:t> = "Anderson"; </a:t>
+            </a:r>
+            <a:r>
+              <a:rPr lang="en-US" sz="1800" dirty="0" err="1">
+                <a:solidFill>
+                  <a:srgbClr val="202124"/>
+                </a:solidFill>
+                <a:latin typeface="arial" panose="020B0604020202020204" pitchFamily="34" charset="0"/>
+              </a:rPr>
+              <a:t>IDNum</a:t>
+            </a:r>
+            <a:r>
+              <a:rPr lang="en-US" sz="1800" dirty="0">
+                <a:solidFill>
+                  <a:srgbClr val="202124"/>
+                </a:solidFill>
+                <a:latin typeface="arial" panose="020B0604020202020204" pitchFamily="34" charset="0"/>
+              </a:rPr>
+              <a:t> = 123 }</a:t>
+            </a:r>
+          </a:p>
+          <a:p>
+            <a:pPr marL="0" indent="0">
+              <a:buNone/>
+            </a:pPr>
+            <a:r>
+              <a:rPr lang="en-US" sz="1800" dirty="0">
+                <a:solidFill>
+                  <a:srgbClr val="202124"/>
+                </a:solidFill>
+                <a:latin typeface="arial" panose="020B0604020202020204" pitchFamily="34" charset="0"/>
+              </a:rPr>
+              <a:t>$h1.FirstName # designates the key FirstName</a:t>
+            </a:r>
+          </a:p>
+          <a:p>
+            <a:pPr marL="0" indent="0">
+              <a:buNone/>
+            </a:pPr>
+            <a:r>
+              <a:rPr lang="en-US" sz="1800" dirty="0">
+                <a:solidFill>
+                  <a:srgbClr val="202124"/>
+                </a:solidFill>
+                <a:latin typeface="arial" panose="020B0604020202020204" pitchFamily="34" charset="0"/>
+              </a:rPr>
+              <a:t>$h1["</a:t>
+            </a:r>
+            <a:r>
+              <a:rPr lang="en-US" sz="1800" dirty="0" err="1">
+                <a:solidFill>
+                  <a:srgbClr val="202124"/>
+                </a:solidFill>
+                <a:latin typeface="arial" panose="020B0604020202020204" pitchFamily="34" charset="0"/>
+              </a:rPr>
+              <a:t>LastName</a:t>
+            </a:r>
+            <a:r>
+              <a:rPr lang="en-US" sz="1800" dirty="0">
+                <a:solidFill>
+                  <a:srgbClr val="202124"/>
+                </a:solidFill>
+                <a:latin typeface="arial" panose="020B0604020202020204" pitchFamily="34" charset="0"/>
+              </a:rPr>
+              <a:t>"] # designates the associated value for key </a:t>
+            </a:r>
+            <a:r>
+              <a:rPr lang="en-US" sz="1800" dirty="0" err="1">
+                <a:solidFill>
+                  <a:srgbClr val="202124"/>
+                </a:solidFill>
+                <a:latin typeface="arial" panose="020B0604020202020204" pitchFamily="34" charset="0"/>
+              </a:rPr>
+              <a:t>LastName</a:t>
+            </a:r>
+            <a:endParaRPr lang="en-US" sz="1800" dirty="0">
+              <a:solidFill>
+                <a:srgbClr val="202124"/>
+              </a:solidFill>
+              <a:latin typeface="arial" panose="020B0604020202020204" pitchFamily="34" charset="0"/>
+            </a:endParaRPr>
+          </a:p>
+          <a:p>
+            <a:pPr marL="0" indent="0">
+              <a:buNone/>
+            </a:pPr>
+            <a:r>
+              <a:rPr lang="en-US" sz="1800" dirty="0">
+                <a:solidFill>
+                  <a:srgbClr val="202124"/>
+                </a:solidFill>
+                <a:latin typeface="arial" panose="020B0604020202020204" pitchFamily="34" charset="0"/>
+              </a:rPr>
+              <a:t>$h1.Keys # gets the collection of keys</a:t>
+            </a:r>
+            <a:r>
+              <a:rPr lang="en-IN" sz="1800" dirty="0"/>
+              <a:t>         </a:t>
+            </a:r>
+          </a:p>
+          <a:p>
+            <a:pPr marL="0" indent="0">
+              <a:buNone/>
+            </a:pPr>
+            <a:endParaRPr lang="en-IN" sz="1800" dirty="0"/>
+          </a:p>
+          <a:p>
+            <a:pPr marL="0" indent="0">
+              <a:buNone/>
+            </a:pPr>
+            <a:r>
+              <a:rPr lang="en-IN" sz="1800" dirty="0"/>
+              <a:t> 4. The XML type :</a:t>
+            </a:r>
+            <a:r>
+              <a:rPr lang="en-US" sz="1400" b="0" i="0" dirty="0">
+                <a:solidFill>
+                  <a:srgbClr val="202124"/>
+                </a:solidFill>
+                <a:effectLst/>
+                <a:latin typeface="arial" panose="020B0604020202020204" pitchFamily="34" charset="0"/>
+              </a:rPr>
+              <a:t>The XML data type is </a:t>
+            </a:r>
+            <a:r>
+              <a:rPr lang="en-US" sz="1400" b="1" i="0" dirty="0">
+                <a:solidFill>
+                  <a:srgbClr val="202124"/>
+                </a:solidFill>
+                <a:effectLst/>
+                <a:latin typeface="arial" panose="020B0604020202020204" pitchFamily="34" charset="0"/>
+              </a:rPr>
+              <a:t>used for Extensible Markup Language (XML) documents</a:t>
+            </a:r>
+          </a:p>
+          <a:p>
+            <a:pPr marL="0" indent="0">
+              <a:buNone/>
+            </a:pPr>
+            <a:endParaRPr lang="en-IN" sz="1400" dirty="0"/>
+          </a:p>
+          <a:p>
+            <a:pPr marL="0" indent="0">
+              <a:buNone/>
+            </a:pPr>
+            <a:r>
+              <a:rPr lang="en-IN" sz="1800" dirty="0"/>
+              <a:t>           5.The Regex type</a:t>
+            </a:r>
+          </a:p>
+          <a:p>
+            <a:pPr marL="0" indent="0">
+              <a:buNone/>
+            </a:pPr>
+            <a:r>
+              <a:rPr lang="en-IN" sz="1800" dirty="0"/>
+              <a:t>           6.scriptblock</a:t>
+            </a:r>
+          </a:p>
+          <a:p>
+            <a:pPr marL="0" indent="0">
+              <a:buNone/>
+            </a:pPr>
+            <a:endParaRPr lang="en-IN" sz="1800" dirty="0"/>
+          </a:p>
+        </p:txBody>
+      </p:sp>
+    </p:spTree>
+    <p:extLst>
+      <p:ext uri="{BB962C8B-B14F-4D97-AF65-F5344CB8AC3E}">
+        <p14:creationId xmlns:p14="http://schemas.microsoft.com/office/powerpoint/2010/main" val="2145022157"/>
+      </p:ext>
+    </p:extLst>
+  </p:cSld>
+  <p:clrMapOvr>
+    <a:masterClrMapping/>
+  </p:clrMapOvr>
+</p:sld>
+</file>
+
+<file path=ppt/slides/slide14.xml><?xml version="1.0" encoding="utf-8"?>
+<p:sld xmlns:a="http://schemas.openxmlformats.org/drawingml/2006/main" xmlns:r="http://schemas.openxmlformats.org/officeDocument/2006/relationships" xmlns:p="http://schemas.openxmlformats.org/presentationml/2006/main">
+  <p:cSld>
+    <p:spTree>
+      <p:nvGrpSpPr>
+        <p:cNvPr id="1" name=""/>
+        <p:cNvGrpSpPr/>
+        <p:nvPr/>
+      </p:nvGrpSpPr>
+      <p:grpSpPr>
+        <a:xfrm>
+          <a:off x="0" y="0"/>
+          <a:ext cx="0" cy="0"/>
+          <a:chOff x="0" y="0"/>
+          <a:chExt cx="0" cy="0"/>
+        </a:xfrm>
+      </p:grpSpPr>
+      <p:sp>
+        <p:nvSpPr>
+          <p:cNvPr id="2" name="Title 1">
+            <a:extLst>
+              <a:ext uri="{FF2B5EF4-FFF2-40B4-BE49-F238E27FC236}">
+                <a16:creationId xmlns:a16="http://schemas.microsoft.com/office/drawing/2014/main" id="{800567DC-CB01-0B9C-8A2D-1F04F04E3656}"/>
+              </a:ext>
+            </a:extLst>
+          </p:cNvPr>
+          <p:cNvSpPr>
+            <a:spLocks noGrp="1"/>
+          </p:cNvSpPr>
+          <p:nvPr>
+            <p:ph type="title"/>
+          </p:nvPr>
+        </p:nvSpPr>
+        <p:spPr/>
+        <p:txBody>
+          <a:bodyPr>
+            <a:normAutofit/>
+          </a:bodyPr>
+          <a:lstStyle/>
+          <a:p>
+            <a:r>
+              <a:rPr lang="en-IN" sz="2000" b="1" dirty="0"/>
+              <a:t>Operators</a:t>
+            </a:r>
+          </a:p>
+        </p:txBody>
+      </p:sp>
+      <p:sp>
+        <p:nvSpPr>
+          <p:cNvPr id="3" name="Content Placeholder 2">
+            <a:extLst>
+              <a:ext uri="{FF2B5EF4-FFF2-40B4-BE49-F238E27FC236}">
+                <a16:creationId xmlns:a16="http://schemas.microsoft.com/office/drawing/2014/main" id="{53EAD200-37A5-334B-47AE-0B366419A400}"/>
+              </a:ext>
+            </a:extLst>
+          </p:cNvPr>
+          <p:cNvSpPr>
+            <a:spLocks noGrp="1"/>
+          </p:cNvSpPr>
+          <p:nvPr>
+            <p:ph idx="1"/>
+          </p:nvPr>
+        </p:nvSpPr>
+        <p:spPr>
+          <a:xfrm>
+            <a:off x="838200" y="1351280"/>
+            <a:ext cx="10515600" cy="4825683"/>
+          </a:xfrm>
+        </p:spPr>
+        <p:txBody>
+          <a:bodyPr>
+            <a:normAutofit/>
+          </a:bodyPr>
+          <a:lstStyle/>
+          <a:p>
+            <a:pPr marL="182880" indent="0">
+              <a:buNone/>
+              <a:defRPr/>
+            </a:pPr>
+            <a:endParaRPr lang="en-US" sz="2000" dirty="0"/>
+          </a:p>
+          <a:p>
+            <a:pPr marL="411480">
+              <a:buFont typeface="Wingdings"/>
+              <a:buChar char=""/>
+              <a:defRPr/>
+            </a:pPr>
+            <a:r>
+              <a:rPr lang="en-US" sz="2000" b="1" dirty="0"/>
+              <a:t>Arithmetic Binary Operators</a:t>
+            </a:r>
+          </a:p>
+          <a:p>
+            <a:pPr marL="512064" lvl="1" indent="0">
+              <a:buNone/>
+              <a:defRPr/>
+            </a:pPr>
+            <a:r>
+              <a:rPr lang="en-US" sz="2000" dirty="0"/>
+              <a:t>+, -, *, \, %, ++, --</a:t>
+            </a:r>
+          </a:p>
+          <a:p>
+            <a:pPr marL="411480">
+              <a:buFont typeface="Wingdings"/>
+              <a:buChar char=""/>
+              <a:defRPr/>
+            </a:pPr>
+            <a:r>
+              <a:rPr lang="en-US" sz="2000" b="1" dirty="0"/>
+              <a:t>Assignment Operators</a:t>
+            </a:r>
+          </a:p>
+          <a:p>
+            <a:pPr marL="512064" lvl="1" indent="0">
+              <a:buNone/>
+              <a:defRPr/>
+            </a:pPr>
+            <a:r>
+              <a:rPr lang="en-US" sz="2000" dirty="0"/>
+              <a:t>=, +=, -=, *=, /=, %=</a:t>
+            </a:r>
+          </a:p>
+          <a:p>
+            <a:pPr marL="411480">
+              <a:buFont typeface="Wingdings"/>
+              <a:buChar char=""/>
+              <a:defRPr/>
+            </a:pPr>
+            <a:r>
+              <a:rPr lang="en-US" sz="2000" b="1" dirty="0"/>
+              <a:t>Logical Operators</a:t>
+            </a:r>
+          </a:p>
+          <a:p>
+            <a:pPr marL="512064" lvl="1" indent="0">
+              <a:buNone/>
+              <a:defRPr/>
+            </a:pPr>
+            <a:r>
+              <a:rPr lang="en-US" sz="2000" dirty="0"/>
+              <a:t>!, -not, -and, -or</a:t>
+            </a:r>
+          </a:p>
+          <a:p>
+            <a:pPr marL="411480">
+              <a:buFont typeface="Wingdings"/>
+              <a:buChar char=""/>
+              <a:defRPr/>
+            </a:pPr>
+            <a:r>
+              <a:rPr lang="en-US" sz="2000" b="1" dirty="0"/>
+              <a:t>String Operators</a:t>
+            </a:r>
+          </a:p>
+          <a:p>
+            <a:pPr marL="512064" lvl="1" indent="0">
+              <a:buNone/>
+              <a:defRPr/>
+            </a:pPr>
+            <a:r>
+              <a:rPr lang="en-US" sz="2000" dirty="0"/>
+              <a:t>+, *, -f, -replace, -match, -like</a:t>
+            </a:r>
+          </a:p>
+          <a:p>
+            <a:pPr marL="411480">
+              <a:buFont typeface="Wingdings"/>
+              <a:buChar char=""/>
+              <a:defRPr/>
+            </a:pPr>
+            <a:r>
+              <a:rPr lang="en-US" sz="2000" b="1" dirty="0"/>
+              <a:t>Comparison Operators</a:t>
+            </a:r>
+          </a:p>
+          <a:p>
+            <a:pPr marL="512064" lvl="1" indent="0">
+              <a:buNone/>
+              <a:defRPr/>
+            </a:pPr>
+            <a:r>
+              <a:rPr lang="fr-FR" sz="2000" dirty="0"/>
+              <a:t>-eq, -ne, -gt, –</a:t>
+            </a:r>
+            <a:r>
+              <a:rPr lang="fr-FR" sz="2000" dirty="0" err="1"/>
+              <a:t>ge</a:t>
+            </a:r>
+            <a:r>
+              <a:rPr lang="fr-FR" sz="2000" dirty="0"/>
+              <a:t>, -</a:t>
+            </a:r>
+            <a:r>
+              <a:rPr lang="fr-FR" sz="2000" dirty="0" err="1"/>
+              <a:t>lt</a:t>
+            </a:r>
+            <a:r>
+              <a:rPr lang="fr-FR" sz="2000" dirty="0"/>
+              <a:t>, –le</a:t>
+            </a:r>
+          </a:p>
+          <a:p>
+            <a:endParaRPr lang="en-IN" sz="2000" dirty="0"/>
+          </a:p>
+        </p:txBody>
+      </p:sp>
+    </p:spTree>
+    <p:extLst>
+      <p:ext uri="{BB962C8B-B14F-4D97-AF65-F5344CB8AC3E}">
+        <p14:creationId xmlns:p14="http://schemas.microsoft.com/office/powerpoint/2010/main" val="336931630"/>
+      </p:ext>
+    </p:extLst>
+  </p:cSld>
+  <p:clrMapOvr>
+    <a:masterClrMapping/>
+  </p:clrMapOvr>
+</p:sld>
+</file>
+
+<file path=ppt/slides/slide15.xml><?xml version="1.0" encoding="utf-8"?>
+<p:sld xmlns:a="http://schemas.openxmlformats.org/drawingml/2006/main" xmlns:r="http://schemas.openxmlformats.org/officeDocument/2006/relationships" xmlns:p="http://schemas.openxmlformats.org/presentationml/2006/main">
+  <p:cSld>
+    <p:spTree>
+      <p:nvGrpSpPr>
+        <p:cNvPr id="1" name=""/>
+        <p:cNvGrpSpPr/>
+        <p:nvPr/>
+      </p:nvGrpSpPr>
+      <p:grpSpPr>
+        <a:xfrm>
+          <a:off x="0" y="0"/>
+          <a:ext cx="0" cy="0"/>
+          <a:chOff x="0" y="0"/>
+          <a:chExt cx="0" cy="0"/>
+        </a:xfrm>
+      </p:grpSpPr>
+      <p:sp>
+        <p:nvSpPr>
+          <p:cNvPr id="2" name="Title 1">
+            <a:extLst>
+              <a:ext uri="{FF2B5EF4-FFF2-40B4-BE49-F238E27FC236}">
+                <a16:creationId xmlns:a16="http://schemas.microsoft.com/office/drawing/2014/main" id="{1DFC22D3-2AA6-FF07-C760-A24AA43D7637}"/>
+              </a:ext>
+            </a:extLst>
+          </p:cNvPr>
+          <p:cNvSpPr>
+            <a:spLocks noGrp="1"/>
+          </p:cNvSpPr>
+          <p:nvPr>
+            <p:ph type="title"/>
+          </p:nvPr>
+        </p:nvSpPr>
+        <p:spPr>
+          <a:xfrm>
+            <a:off x="838200" y="314325"/>
+            <a:ext cx="10515600" cy="1325563"/>
+          </a:xfrm>
+        </p:spPr>
+        <p:txBody>
+          <a:bodyPr>
+            <a:normAutofit/>
+          </a:bodyPr>
+          <a:lstStyle/>
+          <a:p>
+            <a:r>
+              <a:rPr lang="en-IN" sz="2000" b="1" dirty="0"/>
+              <a:t>Arithmetic operators example</a:t>
+            </a:r>
+          </a:p>
+        </p:txBody>
+      </p:sp>
+      <p:sp>
+        <p:nvSpPr>
+          <p:cNvPr id="3" name="Content Placeholder 2">
+            <a:extLst>
+              <a:ext uri="{FF2B5EF4-FFF2-40B4-BE49-F238E27FC236}">
+                <a16:creationId xmlns:a16="http://schemas.microsoft.com/office/drawing/2014/main" id="{B87BA87C-F54C-870D-A8DB-C2FFE44A74C8}"/>
+              </a:ext>
+            </a:extLst>
+          </p:cNvPr>
+          <p:cNvSpPr>
+            <a:spLocks noGrp="1"/>
+          </p:cNvSpPr>
+          <p:nvPr>
+            <p:ph idx="1"/>
+          </p:nvPr>
+        </p:nvSpPr>
+        <p:spPr/>
+        <p:txBody>
+          <a:bodyPr>
+            <a:normAutofit/>
+          </a:bodyPr>
+          <a:lstStyle/>
+          <a:p>
+            <a:pPr marL="0" indent="0">
+              <a:buNone/>
+            </a:pPr>
+            <a:r>
+              <a:rPr lang="en-US" altLang="zh-TW" sz="1600" b="1" dirty="0"/>
+              <a:t>Addition : +</a:t>
+            </a:r>
+          </a:p>
+          <a:p>
+            <a:pPr marL="0" indent="0">
+              <a:buNone/>
+            </a:pPr>
+            <a:r>
+              <a:rPr lang="en-US" sz="1600" b="0" i="0" dirty="0">
+                <a:solidFill>
+                  <a:srgbClr val="171717"/>
+                </a:solidFill>
+                <a:effectLst/>
+                <a:latin typeface="Segoe UI" panose="020B0502040204020203" pitchFamily="34" charset="0"/>
+              </a:rPr>
+              <a:t>Adds numbers, concatenates strings, arrays, and hash tables</a:t>
+            </a:r>
+          </a:p>
+          <a:p>
+            <a:pPr marL="0" indent="0">
+              <a:buNone/>
+            </a:pPr>
+            <a:endParaRPr lang="en-US" sz="1600" b="0" i="0" dirty="0">
+              <a:solidFill>
+                <a:srgbClr val="171717"/>
+              </a:solidFill>
+              <a:effectLst/>
+              <a:latin typeface="Segoe UI" panose="020B0502040204020203" pitchFamily="34" charset="0"/>
+            </a:endParaRPr>
+          </a:p>
+          <a:p>
+            <a:pPr marL="0" indent="0">
+              <a:buNone/>
+            </a:pPr>
+            <a:r>
+              <a:rPr lang="en-US" sz="1600" b="0" i="0" dirty="0">
+                <a:solidFill>
+                  <a:srgbClr val="171717"/>
+                </a:solidFill>
+                <a:effectLst/>
+                <a:highlight>
+                  <a:srgbClr val="00FFFF"/>
+                </a:highlight>
+              </a:rPr>
+              <a:t>6 + 2                        # result = 8</a:t>
+            </a:r>
+          </a:p>
+          <a:p>
+            <a:pPr marL="0" indent="0">
+              <a:buNone/>
+            </a:pPr>
+            <a:r>
+              <a:rPr lang="en-US" sz="1600" b="0" i="0" dirty="0">
+                <a:solidFill>
+                  <a:srgbClr val="171717"/>
+                </a:solidFill>
+                <a:effectLst/>
+                <a:highlight>
+                  <a:srgbClr val="00FFFF"/>
+                </a:highlight>
+              </a:rPr>
+              <a:t>"file" + "name"              # result = "filename"</a:t>
+            </a:r>
+          </a:p>
+          <a:p>
+            <a:pPr marL="0" indent="0">
+              <a:buNone/>
+            </a:pPr>
+            <a:r>
+              <a:rPr lang="en-US" sz="1600" b="0" i="0" dirty="0">
+                <a:solidFill>
+                  <a:srgbClr val="171717"/>
+                </a:solidFill>
+                <a:effectLst/>
+                <a:highlight>
+                  <a:srgbClr val="00FFFF"/>
+                </a:highlight>
+              </a:rPr>
+              <a:t>@(1, "one") + @(2.0, "two")  # result = @(1, "one", 2.0, "two")</a:t>
+            </a:r>
+          </a:p>
+          <a:p>
+            <a:pPr marL="0" indent="0">
+              <a:buNone/>
+            </a:pPr>
+            <a:r>
+              <a:rPr lang="en-US" sz="1600" b="0" i="0" dirty="0">
+                <a:solidFill>
+                  <a:srgbClr val="171717"/>
+                </a:solidFill>
+                <a:effectLst/>
+                <a:highlight>
+                  <a:srgbClr val="00FFFF"/>
+                </a:highlight>
+              </a:rPr>
+              <a:t>@{"one" = 1} + @{"two" = 2}  # result = @{"one" = 1; "two" = 2}</a:t>
+            </a:r>
+          </a:p>
+          <a:p>
+            <a:pPr marL="0" indent="0">
+              <a:buNone/>
+            </a:pPr>
+            <a:endParaRPr lang="en-US" altLang="zh-TW" sz="1600" dirty="0"/>
+          </a:p>
+          <a:p>
+            <a:pPr marL="0" indent="0">
+              <a:buNone/>
+            </a:pPr>
+            <a:r>
+              <a:rPr lang="en-US" altLang="zh-TW" sz="1600" dirty="0" err="1"/>
+              <a:t>Substration</a:t>
+            </a:r>
+            <a:r>
+              <a:rPr lang="en-US" altLang="zh-TW" sz="1600" dirty="0"/>
+              <a:t>: -</a:t>
+            </a:r>
+          </a:p>
+          <a:p>
+            <a:pPr marL="0" indent="0">
+              <a:buNone/>
+            </a:pPr>
+            <a:endParaRPr lang="en-US" altLang="zh-TW" sz="1600" dirty="0"/>
+          </a:p>
+          <a:p>
+            <a:endParaRPr lang="en-IN" sz="1600" dirty="0"/>
+          </a:p>
+        </p:txBody>
+      </p:sp>
+    </p:spTree>
+    <p:extLst>
+      <p:ext uri="{BB962C8B-B14F-4D97-AF65-F5344CB8AC3E}">
+        <p14:creationId xmlns:p14="http://schemas.microsoft.com/office/powerpoint/2010/main" val="858476322"/>
+      </p:ext>
+    </p:extLst>
+  </p:cSld>
+  <p:clrMapOvr>
+    <a:masterClrMapping/>
+  </p:clrMapOvr>
+</p:sld>
+</file>
+
+<file path=ppt/slides/slide16.xml><?xml version="1.0" encoding="utf-8"?>
+<p:sld xmlns:a="http://schemas.openxmlformats.org/drawingml/2006/main" xmlns:r="http://schemas.openxmlformats.org/officeDocument/2006/relationships" xmlns:p="http://schemas.openxmlformats.org/presentationml/2006/main">
+  <p:cSld>
+    <p:spTree>
+      <p:nvGrpSpPr>
+        <p:cNvPr id="1" name=""/>
+        <p:cNvGrpSpPr/>
+        <p:nvPr/>
+      </p:nvGrpSpPr>
+      <p:grpSpPr>
+        <a:xfrm>
+          <a:off x="0" y="0"/>
+          <a:ext cx="0" cy="0"/>
+          <a:chOff x="0" y="0"/>
+          <a:chExt cx="0" cy="0"/>
+        </a:xfrm>
+      </p:grpSpPr>
+      <p:sp>
+        <p:nvSpPr>
+          <p:cNvPr id="2" name="Title 1">
+            <a:extLst>
+              <a:ext uri="{FF2B5EF4-FFF2-40B4-BE49-F238E27FC236}">
+                <a16:creationId xmlns:a16="http://schemas.microsoft.com/office/drawing/2014/main" id="{1ED2B2A8-88F5-62A8-752D-AAE61F9509FD}"/>
+              </a:ext>
+            </a:extLst>
+          </p:cNvPr>
+          <p:cNvSpPr>
+            <a:spLocks noGrp="1"/>
+          </p:cNvSpPr>
+          <p:nvPr>
+            <p:ph type="title"/>
+          </p:nvPr>
+        </p:nvSpPr>
+        <p:spPr/>
+        <p:txBody>
+          <a:bodyPr/>
+          <a:lstStyle/>
+          <a:p>
+            <a:endParaRPr lang="en-IN"/>
+          </a:p>
+        </p:txBody>
+      </p:sp>
+      <p:sp>
+        <p:nvSpPr>
+          <p:cNvPr id="3" name="Content Placeholder 2">
+            <a:extLst>
+              <a:ext uri="{FF2B5EF4-FFF2-40B4-BE49-F238E27FC236}">
+                <a16:creationId xmlns:a16="http://schemas.microsoft.com/office/drawing/2014/main" id="{CB3BFA98-2A4B-AAA9-D470-66FC87ED2051}"/>
+              </a:ext>
+            </a:extLst>
+          </p:cNvPr>
+          <p:cNvSpPr>
+            <a:spLocks noGrp="1"/>
+          </p:cNvSpPr>
+          <p:nvPr>
+            <p:ph idx="1"/>
+          </p:nvPr>
+        </p:nvSpPr>
+        <p:spPr/>
+        <p:txBody>
+          <a:bodyPr/>
+          <a:lstStyle/>
+          <a:p>
+            <a:endParaRPr lang="en-IN"/>
+          </a:p>
+        </p:txBody>
+      </p:sp>
+    </p:spTree>
+    <p:extLst>
+      <p:ext uri="{BB962C8B-B14F-4D97-AF65-F5344CB8AC3E}">
+        <p14:creationId xmlns:p14="http://schemas.microsoft.com/office/powerpoint/2010/main" val="4276593927"/>
+      </p:ext>
+    </p:extLst>
+  </p:cSld>
+  <p:clrMapOvr>
+    <a:masterClrMapping/>
+  </p:clrMapOvr>
+</p:sld>
+</file>
+
 <file path=ppt/slides/slide2.xml><?xml version="1.0" encoding="utf-8"?>
 <p:sld xmlns:a="http://schemas.openxmlformats.org/drawingml/2006/main" xmlns:r="http://schemas.openxmlformats.org/officeDocument/2006/relationships" xmlns:p="http://schemas.openxmlformats.org/presentationml/2006/main">
   <p:cSld>
@@ -4222,30 +6233,1629 @@
           <a:lstStyle/>
           <a:p>
             <a:r>
+              <a:rPr lang="en-IN" sz="2000" dirty="0"/>
+              <a:t>Variables are data holding elements and data can be anything like </a:t>
+            </a:r>
+            <a:r>
+              <a:rPr lang="en-IN" sz="2000" dirty="0" err="1"/>
+              <a:t>string,object,which</a:t>
+            </a:r>
+            <a:r>
+              <a:rPr lang="en-IN" sz="2000" dirty="0"/>
+              <a:t> is to store information.</a:t>
+            </a:r>
+          </a:p>
+          <a:p>
+            <a:r>
+              <a:rPr lang="en-IN" sz="2000" dirty="0"/>
+              <a:t>Different languages has different rules</a:t>
+            </a:r>
+          </a:p>
+          <a:p>
+            <a:r>
+              <a:rPr lang="en-IN" sz="2000" dirty="0"/>
+              <a:t>Example : $hello</a:t>
+            </a:r>
+          </a:p>
+          <a:p>
+            <a:pPr marL="0" indent="0">
+              <a:buNone/>
+            </a:pPr>
+            <a:r>
+              <a:rPr lang="en-IN" sz="2000" b="1" dirty="0"/>
+              <a:t>Some properties :</a:t>
+            </a:r>
+          </a:p>
+          <a:p>
+            <a:r>
+              <a:rPr lang="en-IN" sz="2000" dirty="0"/>
+              <a:t>Which starts with $</a:t>
+            </a:r>
+          </a:p>
+          <a:p>
+            <a:r>
+              <a:rPr lang="en-IN" sz="2000" dirty="0"/>
+              <a:t>Directly values can be assigned without defining it</a:t>
+            </a:r>
+          </a:p>
+          <a:p>
+            <a:r>
+              <a:rPr lang="en-IN" sz="2000" dirty="0"/>
+              <a:t>Variable names are not case sensitive</a:t>
+            </a:r>
+          </a:p>
+          <a:p>
+            <a:pPr marL="0" indent="0">
+              <a:buNone/>
+            </a:pPr>
+            <a:r>
+              <a:rPr lang="en-IN" sz="2000" dirty="0"/>
+              <a:t>Ex: $hello=“test” or $HELLO=“test”</a:t>
+            </a:r>
+          </a:p>
+          <a:p>
+            <a:r>
+              <a:rPr lang="en-IN" sz="2000" dirty="0"/>
+              <a:t>Variables are combination of  numbers and characters</a:t>
+            </a:r>
+          </a:p>
+          <a:p>
+            <a:r>
+              <a:rPr lang="en-IN" sz="2000" dirty="0"/>
+              <a:t>Ex: $xyz123=123345</a:t>
+            </a:r>
+          </a:p>
+          <a:p>
+            <a:endParaRPr lang="en-IN" sz="2000" dirty="0"/>
+          </a:p>
+          <a:p>
+            <a:endParaRPr lang="en-IN" sz="2000" dirty="0"/>
+          </a:p>
+          <a:p>
+            <a:endParaRPr lang="en-IN" sz="2000" dirty="0"/>
+          </a:p>
+          <a:p>
+            <a:endParaRPr lang="en-US" altLang="zh-TW" sz="2000" dirty="0"/>
+          </a:p>
+          <a:p>
+            <a:endParaRPr lang="en-US" altLang="zh-TW" sz="2000" dirty="0"/>
+          </a:p>
+          <a:p>
+            <a:endParaRPr lang="en-US" sz="2000" dirty="0"/>
+          </a:p>
+          <a:p>
+            <a:endParaRPr lang="en-IN" sz="2000" dirty="0"/>
+          </a:p>
+        </p:txBody>
+      </p:sp>
+    </p:spTree>
+    <p:extLst>
+      <p:ext uri="{BB962C8B-B14F-4D97-AF65-F5344CB8AC3E}">
+        <p14:creationId xmlns:p14="http://schemas.microsoft.com/office/powerpoint/2010/main" val="3507629685"/>
+      </p:ext>
+    </p:extLst>
+  </p:cSld>
+  <p:clrMapOvr>
+    <a:masterClrMapping/>
+  </p:clrMapOvr>
+</p:sld>
+</file>
+
+<file path=ppt/slides/slide6.xml><?xml version="1.0" encoding="utf-8"?>
+<p:sld xmlns:a="http://schemas.openxmlformats.org/drawingml/2006/main" xmlns:r="http://schemas.openxmlformats.org/officeDocument/2006/relationships" xmlns:p="http://schemas.openxmlformats.org/presentationml/2006/main">
+  <p:cSld>
+    <p:spTree>
+      <p:nvGrpSpPr>
+        <p:cNvPr id="1" name=""/>
+        <p:cNvGrpSpPr/>
+        <p:nvPr/>
+      </p:nvGrpSpPr>
+      <p:grpSpPr>
+        <a:xfrm>
+          <a:off x="0" y="0"/>
+          <a:ext cx="0" cy="0"/>
+          <a:chOff x="0" y="0"/>
+          <a:chExt cx="0" cy="0"/>
+        </a:xfrm>
+      </p:grpSpPr>
+      <p:sp>
+        <p:nvSpPr>
+          <p:cNvPr id="19" name="Title 18">
+            <a:extLst>
+              <a:ext uri="{FF2B5EF4-FFF2-40B4-BE49-F238E27FC236}">
+                <a16:creationId xmlns:a16="http://schemas.microsoft.com/office/drawing/2014/main" id="{2430DE72-51DF-8AC9-DB50-81857768C2F3}"/>
+              </a:ext>
+            </a:extLst>
+          </p:cNvPr>
+          <p:cNvSpPr>
+            <a:spLocks noGrp="1"/>
+          </p:cNvSpPr>
+          <p:nvPr>
+            <p:ph type="title"/>
+          </p:nvPr>
+        </p:nvSpPr>
+        <p:spPr/>
+        <p:txBody>
+          <a:bodyPr/>
+          <a:lstStyle/>
+          <a:p>
+            <a:r>
               <a:rPr lang="en-IN" dirty="0"/>
-              <a:t>Variables are data holding elements</a:t>
-            </a:r>
-          </a:p>
-          <a:p>
-            <a:endParaRPr lang="en-US" altLang="zh-TW" dirty="0"/>
-          </a:p>
-          <a:p>
-            <a:endParaRPr lang="en-US" altLang="zh-TW" dirty="0"/>
-          </a:p>
-          <a:p>
-            <a:endParaRPr lang="en-US" dirty="0"/>
-          </a:p>
-          <a:p>
+              <a:t>Variables and types</a:t>
+            </a:r>
+          </a:p>
+        </p:txBody>
+      </p:sp>
+      <p:sp>
+        <p:nvSpPr>
+          <p:cNvPr id="21" name="Content Placeholder 20">
+            <a:extLst>
+              <a:ext uri="{FF2B5EF4-FFF2-40B4-BE49-F238E27FC236}">
+                <a16:creationId xmlns:a16="http://schemas.microsoft.com/office/drawing/2014/main" id="{8275E1A7-0B26-3981-282B-59D591940B7D}"/>
+              </a:ext>
+            </a:extLst>
+          </p:cNvPr>
+          <p:cNvSpPr>
+            <a:spLocks noGrp="1"/>
+          </p:cNvSpPr>
+          <p:nvPr>
+            <p:ph idx="1"/>
+          </p:nvPr>
+        </p:nvSpPr>
+        <p:spPr/>
+        <p:txBody>
+          <a:bodyPr>
+            <a:normAutofit/>
+          </a:bodyPr>
+          <a:lstStyle/>
+          <a:p>
+            <a:endParaRPr lang="en-IN" sz="1800" dirty="0"/>
+          </a:p>
+          <a:p>
+            <a:endParaRPr lang="en-IN" sz="1800" dirty="0"/>
+          </a:p>
+          <a:p>
+            <a:endParaRPr lang="en-IN" sz="1800" dirty="0"/>
+          </a:p>
+          <a:p>
+            <a:endParaRPr lang="en-IN" sz="1800" dirty="0"/>
+          </a:p>
+          <a:p>
+            <a:endParaRPr lang="en-IN" sz="1800" dirty="0"/>
+          </a:p>
+          <a:p>
+            <a:endParaRPr lang="en-IN" sz="1800" dirty="0"/>
+          </a:p>
+          <a:p>
+            <a:endParaRPr lang="en-IN" sz="1800" dirty="0"/>
+          </a:p>
+        </p:txBody>
+      </p:sp>
+      <p:sp>
+        <p:nvSpPr>
+          <p:cNvPr id="2" name="Rectangle 1">
+            <a:extLst>
+              <a:ext uri="{FF2B5EF4-FFF2-40B4-BE49-F238E27FC236}">
+                <a16:creationId xmlns:a16="http://schemas.microsoft.com/office/drawing/2014/main" id="{2B93A263-5AD7-A833-8369-748C9D5EE33D}"/>
+              </a:ext>
+            </a:extLst>
+          </p:cNvPr>
+          <p:cNvSpPr/>
+          <p:nvPr/>
+        </p:nvSpPr>
+        <p:spPr>
+          <a:xfrm>
+            <a:off x="3870960" y="2011680"/>
+            <a:ext cx="2519680" cy="335280"/>
+          </a:xfrm>
+          <a:prstGeom prst="rect">
+            <a:avLst/>
+          </a:prstGeom>
+        </p:spPr>
+        <p:style>
+          <a:lnRef idx="2">
+            <a:schemeClr val="accent1">
+              <a:shade val="50000"/>
+            </a:schemeClr>
+          </a:lnRef>
+          <a:fillRef idx="1">
+            <a:schemeClr val="accent1"/>
+          </a:fillRef>
+          <a:effectRef idx="0">
+            <a:schemeClr val="accent1"/>
+          </a:effectRef>
+          <a:fontRef idx="minor">
+            <a:schemeClr val="lt1"/>
+          </a:fontRef>
+        </p:style>
+        <p:txBody>
+          <a:bodyPr rtlCol="0" anchor="ctr"/>
+          <a:lstStyle/>
+          <a:p>
+            <a:pPr algn="ctr"/>
+            <a:r>
+              <a:rPr lang="en-IN" dirty="0">
+                <a:ln w="0"/>
+                <a:solidFill>
+                  <a:schemeClr val="tx1"/>
+                </a:solidFill>
+                <a:effectLst>
+                  <a:outerShdw blurRad="38100" dist="19050" dir="2700000" algn="tl" rotWithShape="0">
+                    <a:schemeClr val="dk1">
+                      <a:alpha val="40000"/>
+                    </a:schemeClr>
+                  </a:outerShdw>
+                </a:effectLst>
+              </a:rPr>
+              <a:t>Variables</a:t>
+            </a:r>
+          </a:p>
+        </p:txBody>
+      </p:sp>
+      <p:sp>
+        <p:nvSpPr>
+          <p:cNvPr id="8" name="Arrow: Down 7">
+            <a:extLst>
+              <a:ext uri="{FF2B5EF4-FFF2-40B4-BE49-F238E27FC236}">
+                <a16:creationId xmlns:a16="http://schemas.microsoft.com/office/drawing/2014/main" id="{ED5A017B-120D-442D-7526-25913241A672}"/>
+              </a:ext>
+            </a:extLst>
+          </p:cNvPr>
+          <p:cNvSpPr/>
+          <p:nvPr/>
+        </p:nvSpPr>
+        <p:spPr>
+          <a:xfrm>
+            <a:off x="5080000" y="2346960"/>
+            <a:ext cx="213360" cy="447040"/>
+          </a:xfrm>
+          <a:prstGeom prst="downArrow">
+            <a:avLst/>
+          </a:prstGeom>
+        </p:spPr>
+        <p:style>
+          <a:lnRef idx="2">
+            <a:schemeClr val="accent1">
+              <a:shade val="50000"/>
+            </a:schemeClr>
+          </a:lnRef>
+          <a:fillRef idx="1">
+            <a:schemeClr val="accent1"/>
+          </a:fillRef>
+          <a:effectRef idx="0">
+            <a:schemeClr val="accent1"/>
+          </a:effectRef>
+          <a:fontRef idx="minor">
+            <a:schemeClr val="lt1"/>
+          </a:fontRef>
+        </p:style>
+        <p:txBody>
+          <a:bodyPr rtlCol="0" anchor="ctr"/>
+          <a:lstStyle/>
+          <a:p>
+            <a:pPr algn="ctr"/>
+            <a:endParaRPr lang="en-IN"/>
+          </a:p>
+        </p:txBody>
+      </p:sp>
+      <p:sp>
+        <p:nvSpPr>
+          <p:cNvPr id="9" name="Rectangle 8">
+            <a:extLst>
+              <a:ext uri="{FF2B5EF4-FFF2-40B4-BE49-F238E27FC236}">
+                <a16:creationId xmlns:a16="http://schemas.microsoft.com/office/drawing/2014/main" id="{85791922-76AD-985A-CE0A-111810ADBAFF}"/>
+              </a:ext>
+            </a:extLst>
+          </p:cNvPr>
+          <p:cNvSpPr/>
+          <p:nvPr/>
+        </p:nvSpPr>
+        <p:spPr>
+          <a:xfrm>
+            <a:off x="838200" y="3151188"/>
+            <a:ext cx="1752600" cy="827086"/>
+          </a:xfrm>
+          <a:prstGeom prst="rect">
+            <a:avLst/>
+          </a:prstGeom>
+        </p:spPr>
+        <p:style>
+          <a:lnRef idx="2">
+            <a:schemeClr val="accent1">
+              <a:shade val="50000"/>
+            </a:schemeClr>
+          </a:lnRef>
+          <a:fillRef idx="1">
+            <a:schemeClr val="accent1"/>
+          </a:fillRef>
+          <a:effectRef idx="0">
+            <a:schemeClr val="accent1"/>
+          </a:effectRef>
+          <a:fontRef idx="minor">
+            <a:schemeClr val="lt1"/>
+          </a:fontRef>
+        </p:style>
+        <p:txBody>
+          <a:bodyPr rtlCol="0" anchor="ctr"/>
+          <a:lstStyle/>
+          <a:p>
+            <a:pPr algn="ctr"/>
+            <a:r>
+              <a:rPr lang="en-IN" dirty="0"/>
+              <a:t>User </a:t>
+            </a:r>
+            <a:r>
+              <a:rPr lang="en-IN" dirty="0" err="1"/>
+              <a:t>varibles</a:t>
+            </a:r>
             <a:endParaRPr lang="en-IN" dirty="0"/>
+          </a:p>
+        </p:txBody>
+      </p:sp>
+      <p:sp>
+        <p:nvSpPr>
+          <p:cNvPr id="10" name="Rectangle 9">
+            <a:extLst>
+              <a:ext uri="{FF2B5EF4-FFF2-40B4-BE49-F238E27FC236}">
+                <a16:creationId xmlns:a16="http://schemas.microsoft.com/office/drawing/2014/main" id="{24F1D7A2-B8F6-E601-FB17-D757E2B6332D}"/>
+              </a:ext>
+            </a:extLst>
+          </p:cNvPr>
+          <p:cNvSpPr/>
+          <p:nvPr/>
+        </p:nvSpPr>
+        <p:spPr>
+          <a:xfrm>
+            <a:off x="3058160" y="3151188"/>
+            <a:ext cx="2021840" cy="827086"/>
+          </a:xfrm>
+          <a:prstGeom prst="rect">
+            <a:avLst/>
+          </a:prstGeom>
+        </p:spPr>
+        <p:style>
+          <a:lnRef idx="2">
+            <a:schemeClr val="accent1">
+              <a:shade val="50000"/>
+            </a:schemeClr>
+          </a:lnRef>
+          <a:fillRef idx="1">
+            <a:schemeClr val="accent1"/>
+          </a:fillRef>
+          <a:effectRef idx="0">
+            <a:schemeClr val="accent1"/>
+          </a:effectRef>
+          <a:fontRef idx="minor">
+            <a:schemeClr val="lt1"/>
+          </a:fontRef>
+        </p:style>
+        <p:txBody>
+          <a:bodyPr rtlCol="0" anchor="ctr"/>
+          <a:lstStyle/>
+          <a:p>
+            <a:pPr algn="ctr"/>
+            <a:r>
+              <a:rPr lang="en-IN" dirty="0"/>
+              <a:t>System or environment variables</a:t>
+            </a:r>
+          </a:p>
+        </p:txBody>
+      </p:sp>
+      <p:sp>
+        <p:nvSpPr>
+          <p:cNvPr id="11" name="Rectangle 10">
+            <a:extLst>
+              <a:ext uri="{FF2B5EF4-FFF2-40B4-BE49-F238E27FC236}">
+                <a16:creationId xmlns:a16="http://schemas.microsoft.com/office/drawing/2014/main" id="{A9337ACA-1CE9-7762-EB8C-E1358B458AE0}"/>
+              </a:ext>
+            </a:extLst>
+          </p:cNvPr>
+          <p:cNvSpPr/>
+          <p:nvPr/>
+        </p:nvSpPr>
+        <p:spPr>
+          <a:xfrm>
+            <a:off x="10017760" y="3180080"/>
+            <a:ext cx="2021840" cy="777874"/>
+          </a:xfrm>
+          <a:prstGeom prst="rect">
+            <a:avLst/>
+          </a:prstGeom>
+        </p:spPr>
+        <p:style>
+          <a:lnRef idx="2">
+            <a:schemeClr val="accent1">
+              <a:shade val="50000"/>
+            </a:schemeClr>
+          </a:lnRef>
+          <a:fillRef idx="1">
+            <a:schemeClr val="accent1"/>
+          </a:fillRef>
+          <a:effectRef idx="0">
+            <a:schemeClr val="accent1"/>
+          </a:effectRef>
+          <a:fontRef idx="minor">
+            <a:schemeClr val="lt1"/>
+          </a:fontRef>
+        </p:style>
+        <p:txBody>
+          <a:bodyPr rtlCol="0" anchor="ctr"/>
+          <a:lstStyle/>
+          <a:p>
+            <a:pPr algn="ctr"/>
+            <a:r>
+              <a:rPr lang="en-IN" dirty="0">
+                <a:solidFill>
+                  <a:schemeClr val="tx1"/>
+                </a:solidFill>
+              </a:rPr>
+              <a:t>Constant variables</a:t>
+            </a:r>
+          </a:p>
+        </p:txBody>
+      </p:sp>
+      <p:sp>
+        <p:nvSpPr>
+          <p:cNvPr id="12" name="Rectangle 11">
+            <a:extLst>
+              <a:ext uri="{FF2B5EF4-FFF2-40B4-BE49-F238E27FC236}">
+                <a16:creationId xmlns:a16="http://schemas.microsoft.com/office/drawing/2014/main" id="{CBBBF58A-FE53-3AED-84A2-B12D6BD702FF}"/>
+              </a:ext>
+            </a:extLst>
+          </p:cNvPr>
+          <p:cNvSpPr/>
+          <p:nvPr/>
+        </p:nvSpPr>
+        <p:spPr>
+          <a:xfrm>
+            <a:off x="7802880" y="3190240"/>
+            <a:ext cx="2021840" cy="777874"/>
+          </a:xfrm>
+          <a:prstGeom prst="rect">
+            <a:avLst/>
+          </a:prstGeom>
+        </p:spPr>
+        <p:style>
+          <a:lnRef idx="2">
+            <a:schemeClr val="accent1">
+              <a:shade val="50000"/>
+            </a:schemeClr>
+          </a:lnRef>
+          <a:fillRef idx="1">
+            <a:schemeClr val="accent1"/>
+          </a:fillRef>
+          <a:effectRef idx="0">
+            <a:schemeClr val="accent1"/>
+          </a:effectRef>
+          <a:fontRef idx="minor">
+            <a:schemeClr val="lt1"/>
+          </a:fontRef>
+        </p:style>
+        <p:txBody>
+          <a:bodyPr rtlCol="0" anchor="ctr"/>
+          <a:lstStyle/>
+          <a:p>
+            <a:pPr algn="ctr"/>
+            <a:r>
+              <a:rPr lang="en-IN" dirty="0" err="1"/>
+              <a:t>Readonly</a:t>
+            </a:r>
+            <a:r>
+              <a:rPr lang="en-IN" dirty="0"/>
+              <a:t> Variables</a:t>
+            </a:r>
+          </a:p>
+        </p:txBody>
+      </p:sp>
+      <p:sp>
+        <p:nvSpPr>
+          <p:cNvPr id="13" name="Rectangle 12">
+            <a:extLst>
+              <a:ext uri="{FF2B5EF4-FFF2-40B4-BE49-F238E27FC236}">
+                <a16:creationId xmlns:a16="http://schemas.microsoft.com/office/drawing/2014/main" id="{62AE1938-5B5A-08F7-038D-EF90717E8F43}"/>
+              </a:ext>
+            </a:extLst>
+          </p:cNvPr>
+          <p:cNvSpPr/>
+          <p:nvPr/>
+        </p:nvSpPr>
+        <p:spPr>
+          <a:xfrm>
+            <a:off x="5430520" y="3200400"/>
+            <a:ext cx="2021840" cy="777874"/>
+          </a:xfrm>
+          <a:prstGeom prst="rect">
+            <a:avLst/>
+          </a:prstGeom>
+        </p:spPr>
+        <p:style>
+          <a:lnRef idx="2">
+            <a:schemeClr val="accent1">
+              <a:shade val="50000"/>
+            </a:schemeClr>
+          </a:lnRef>
+          <a:fillRef idx="1">
+            <a:schemeClr val="accent1"/>
+          </a:fillRef>
+          <a:effectRef idx="0">
+            <a:schemeClr val="accent1"/>
+          </a:effectRef>
+          <a:fontRef idx="minor">
+            <a:schemeClr val="lt1"/>
+          </a:fontRef>
+        </p:style>
+        <p:txBody>
+          <a:bodyPr rtlCol="0" anchor="ctr"/>
+          <a:lstStyle/>
+          <a:p>
+            <a:pPr algn="ctr"/>
+            <a:r>
+              <a:rPr lang="en-IN" dirty="0"/>
+              <a:t>Preference Variables</a:t>
+            </a:r>
+          </a:p>
+        </p:txBody>
+      </p:sp>
+    </p:spTree>
+    <p:extLst>
+      <p:ext uri="{BB962C8B-B14F-4D97-AF65-F5344CB8AC3E}">
+        <p14:creationId xmlns:p14="http://schemas.microsoft.com/office/powerpoint/2010/main" val="4005177341"/>
+      </p:ext>
+    </p:extLst>
+  </p:cSld>
+  <p:clrMapOvr>
+    <a:masterClrMapping/>
+  </p:clrMapOvr>
+</p:sld>
+</file>
+
+<file path=ppt/slides/slide7.xml><?xml version="1.0" encoding="utf-8"?>
+<p:sld xmlns:a="http://schemas.openxmlformats.org/drawingml/2006/main" xmlns:r="http://schemas.openxmlformats.org/officeDocument/2006/relationships" xmlns:p="http://schemas.openxmlformats.org/presentationml/2006/main">
+  <p:cSld>
+    <p:spTree>
+      <p:nvGrpSpPr>
+        <p:cNvPr id="1" name=""/>
+        <p:cNvGrpSpPr/>
+        <p:nvPr/>
+      </p:nvGrpSpPr>
+      <p:grpSpPr>
+        <a:xfrm>
+          <a:off x="0" y="0"/>
+          <a:ext cx="0" cy="0"/>
+          <a:chOff x="0" y="0"/>
+          <a:chExt cx="0" cy="0"/>
+        </a:xfrm>
+      </p:grpSpPr>
+      <p:sp>
+        <p:nvSpPr>
+          <p:cNvPr id="2" name="Title 1">
+            <a:extLst>
+              <a:ext uri="{FF2B5EF4-FFF2-40B4-BE49-F238E27FC236}">
+                <a16:creationId xmlns:a16="http://schemas.microsoft.com/office/drawing/2014/main" id="{A43AEC55-2C42-D746-F780-ADC03E2E744B}"/>
+              </a:ext>
+            </a:extLst>
+          </p:cNvPr>
+          <p:cNvSpPr>
+            <a:spLocks noGrp="1"/>
+          </p:cNvSpPr>
+          <p:nvPr>
+            <p:ph type="title"/>
+          </p:nvPr>
+        </p:nvSpPr>
+        <p:spPr/>
+        <p:txBody>
+          <a:bodyPr>
+            <a:normAutofit/>
+          </a:bodyPr>
+          <a:lstStyle/>
+          <a:p>
+            <a:r>
+              <a:rPr lang="en-IN" sz="2800" dirty="0"/>
+              <a:t>Variables </a:t>
+            </a:r>
+            <a:r>
+              <a:rPr lang="en-IN" sz="2800" dirty="0" err="1"/>
+              <a:t>cont</a:t>
+            </a:r>
+            <a:r>
+              <a:rPr lang="en-IN" sz="2800" dirty="0"/>
+              <a:t>….</a:t>
+            </a:r>
+          </a:p>
+        </p:txBody>
+      </p:sp>
+      <p:sp>
+        <p:nvSpPr>
+          <p:cNvPr id="3" name="Content Placeholder 2">
+            <a:extLst>
+              <a:ext uri="{FF2B5EF4-FFF2-40B4-BE49-F238E27FC236}">
+                <a16:creationId xmlns:a16="http://schemas.microsoft.com/office/drawing/2014/main" id="{52A7B759-877B-B2EC-D1BC-D291A62ECCCA}"/>
+              </a:ext>
+            </a:extLst>
+          </p:cNvPr>
+          <p:cNvSpPr>
+            <a:spLocks noGrp="1"/>
+          </p:cNvSpPr>
+          <p:nvPr>
+            <p:ph idx="1"/>
+          </p:nvPr>
+        </p:nvSpPr>
+        <p:spPr>
+          <a:xfrm>
+            <a:off x="838200" y="1280160"/>
+            <a:ext cx="10515600" cy="5293360"/>
+          </a:xfrm>
+        </p:spPr>
+        <p:txBody>
+          <a:bodyPr>
+            <a:noAutofit/>
+          </a:bodyPr>
+          <a:lstStyle/>
+          <a:p>
+            <a:r>
+              <a:rPr lang="en-IN" sz="1600" b="1" dirty="0" err="1"/>
+              <a:t>Varibles</a:t>
+            </a:r>
+            <a:r>
+              <a:rPr lang="en-IN" sz="1600" b="1" dirty="0"/>
+              <a:t> types :</a:t>
+            </a:r>
+          </a:p>
+          <a:p>
+            <a:pPr marL="0" indent="0">
+              <a:buNone/>
+            </a:pPr>
+            <a:r>
+              <a:rPr lang="en-IN" sz="1600" dirty="0"/>
+              <a:t>    </a:t>
+            </a:r>
+            <a:r>
+              <a:rPr lang="en-IN" sz="1600" b="1" dirty="0" err="1"/>
+              <a:t>Uservaribles</a:t>
+            </a:r>
+            <a:r>
+              <a:rPr lang="en-IN" sz="1600" b="1" dirty="0"/>
+              <a:t> or User created </a:t>
+            </a:r>
+            <a:r>
+              <a:rPr lang="en-IN" sz="1600" b="1" dirty="0" err="1"/>
+              <a:t>Varibles</a:t>
+            </a:r>
+            <a:r>
+              <a:rPr lang="en-IN" sz="1600" b="1" dirty="0"/>
+              <a:t> </a:t>
+            </a:r>
+            <a:r>
+              <a:rPr lang="en-IN" sz="1600" dirty="0"/>
+              <a:t>:</a:t>
+            </a:r>
+          </a:p>
+          <a:p>
+            <a:pPr marL="0" indent="0">
+              <a:buNone/>
+            </a:pPr>
+            <a:r>
+              <a:rPr lang="en-IN" sz="1600" dirty="0"/>
+              <a:t> which is created and maintained by </a:t>
+            </a:r>
+            <a:r>
+              <a:rPr lang="en-IN" sz="1600" dirty="0" err="1"/>
+              <a:t>user.which</a:t>
+            </a:r>
+            <a:r>
+              <a:rPr lang="en-IN" sz="1600" dirty="0"/>
+              <a:t> is limited to particular </a:t>
+            </a:r>
+            <a:r>
+              <a:rPr lang="en-IN" sz="1600" dirty="0" err="1"/>
+              <a:t>window.once</a:t>
+            </a:r>
+            <a:r>
+              <a:rPr lang="en-IN" sz="1600" dirty="0"/>
+              <a:t> windows is closed variables are disappeared.</a:t>
+            </a:r>
+          </a:p>
+          <a:p>
+            <a:pPr marL="0" indent="0">
+              <a:buNone/>
+            </a:pPr>
+            <a:r>
+              <a:rPr lang="en-IN" sz="1600" dirty="0"/>
+              <a:t>How to set user variables for reusing purpose using Profile ? Or in script local or global scope</a:t>
+            </a:r>
+          </a:p>
+          <a:p>
+            <a:pPr marL="0" indent="0">
+              <a:buNone/>
+            </a:pPr>
+            <a:r>
+              <a:rPr lang="en-IN" sz="1600" dirty="0"/>
+              <a:t> example:</a:t>
+            </a:r>
+          </a:p>
+          <a:p>
+            <a:pPr marL="0" indent="0">
+              <a:buNone/>
+            </a:pPr>
+            <a:r>
+              <a:rPr lang="en-IN" sz="1600" dirty="0"/>
+              <a:t> open </a:t>
+            </a:r>
+            <a:r>
+              <a:rPr lang="en-IN" sz="1600" dirty="0" err="1"/>
+              <a:t>powershell</a:t>
+            </a:r>
+            <a:r>
+              <a:rPr lang="en-IN" sz="1600" dirty="0"/>
+              <a:t> -&gt; Run as administrator</a:t>
+            </a:r>
+          </a:p>
+          <a:p>
+            <a:pPr marL="0" indent="0">
+              <a:buNone/>
+            </a:pPr>
+            <a:r>
+              <a:rPr lang="en-IN" sz="1600" dirty="0"/>
+              <a:t>PS C:\Windows\system32&gt; </a:t>
+            </a:r>
+            <a:r>
+              <a:rPr lang="en-IN" sz="1600" dirty="0">
+                <a:highlight>
+                  <a:srgbClr val="00FFFF"/>
+                </a:highlight>
+              </a:rPr>
+              <a:t>$</a:t>
+            </a:r>
+            <a:r>
+              <a:rPr lang="en-IN" sz="1600" dirty="0" err="1">
+                <a:highlight>
+                  <a:srgbClr val="00FFFF"/>
+                </a:highlight>
+              </a:rPr>
+              <a:t>pshome</a:t>
+            </a:r>
+            <a:r>
+              <a:rPr lang="en-IN" sz="1600" dirty="0">
+                <a:highlight>
+                  <a:srgbClr val="00FFFF"/>
+                </a:highlight>
+              </a:rPr>
+              <a:t>   </a:t>
+            </a:r>
+            <a:r>
+              <a:rPr lang="en-IN" sz="1600" dirty="0"/>
+              <a:t>#powershell default </a:t>
+            </a:r>
+            <a:r>
+              <a:rPr lang="en-IN" sz="1600" dirty="0" err="1"/>
+              <a:t>homepath</a:t>
+            </a:r>
+            <a:endParaRPr lang="en-IN" sz="1600" dirty="0"/>
+          </a:p>
+          <a:p>
+            <a:pPr marL="0" indent="0">
+              <a:buNone/>
+            </a:pPr>
+            <a:r>
+              <a:rPr lang="en-IN" sz="1600" dirty="0"/>
+              <a:t>C:\Windows\System32\WindowsPowerShell\v1.0</a:t>
+            </a:r>
+          </a:p>
+          <a:p>
+            <a:pPr marL="0" indent="0">
+              <a:buNone/>
+            </a:pPr>
+            <a:r>
+              <a:rPr lang="en-IN" sz="1600" dirty="0"/>
+              <a:t>PS C:\Windows\system32&gt; </a:t>
+            </a:r>
+            <a:r>
+              <a:rPr lang="en-IN" sz="1600" dirty="0">
+                <a:highlight>
+                  <a:srgbClr val="00FFFF"/>
+                </a:highlight>
+              </a:rPr>
+              <a:t>cd C:\Windows\System32\WindowsPowerShell\v1.0 </a:t>
+            </a:r>
+            <a:r>
+              <a:rPr lang="en-IN" sz="1600" dirty="0"/>
+              <a:t>#change directory to home path</a:t>
+            </a:r>
+          </a:p>
+          <a:p>
+            <a:pPr marL="0" indent="0">
+              <a:buNone/>
+            </a:pPr>
+            <a:r>
+              <a:rPr lang="en-IN" sz="1600" dirty="0"/>
+              <a:t>PS C:\Windows\System32\WindowsPowerShell\v1.0&gt; </a:t>
+            </a:r>
+            <a:r>
+              <a:rPr lang="en-IN" sz="1600" dirty="0">
+                <a:highlight>
+                  <a:srgbClr val="00FFFF"/>
+                </a:highlight>
+              </a:rPr>
+              <a:t>New-Item -Path "profile.ps1" -ItemType File</a:t>
+            </a:r>
+            <a:r>
+              <a:rPr lang="en-IN" sz="1600" dirty="0"/>
+              <a:t>(#creates new file called “profile.ps1)</a:t>
+            </a:r>
+          </a:p>
+          <a:p>
+            <a:pPr marL="0" indent="0">
+              <a:buNone/>
+            </a:pPr>
+            <a:r>
+              <a:rPr lang="en-IN" sz="1600" dirty="0"/>
+              <a:t>PS C:\Windows\System32\WindowsPowerShell\v1.0&gt; </a:t>
+            </a:r>
+            <a:r>
+              <a:rPr lang="en-IN" sz="1600" dirty="0">
+                <a:highlight>
+                  <a:srgbClr val="00FFFF"/>
+                </a:highlight>
+              </a:rPr>
+              <a:t>notepad.exe .\profile.ps1</a:t>
+            </a:r>
+            <a:r>
+              <a:rPr lang="en-IN" sz="1600" dirty="0"/>
+              <a:t>(open profile file in notepad)</a:t>
+            </a:r>
+          </a:p>
+          <a:p>
+            <a:pPr marL="0" indent="0">
+              <a:buNone/>
+            </a:pPr>
+            <a:r>
+              <a:rPr lang="en-IN" sz="1600" dirty="0"/>
+              <a:t>PS C:\Windows\System32\WindowsPowerShell\v1.0&gt; </a:t>
+            </a:r>
+            <a:r>
+              <a:rPr lang="en-IN" sz="1600" dirty="0">
+                <a:highlight>
+                  <a:srgbClr val="00FFFF"/>
+                </a:highlight>
+              </a:rPr>
+              <a:t>Get-Content .\profile.ps1</a:t>
+            </a:r>
+            <a:r>
+              <a:rPr lang="en-IN" sz="1600" dirty="0"/>
+              <a:t>(display output)</a:t>
+            </a:r>
+          </a:p>
+          <a:p>
+            <a:pPr marL="0" indent="0">
+              <a:buNone/>
+            </a:pPr>
+            <a:r>
+              <a:rPr lang="en-IN" sz="1600" dirty="0"/>
+              <a:t>$var="hello world"</a:t>
+            </a:r>
+          </a:p>
+          <a:p>
+            <a:pPr marL="0" indent="0">
+              <a:buNone/>
+            </a:pPr>
+            <a:endParaRPr lang="en-IN" sz="1600" dirty="0"/>
+          </a:p>
+          <a:p>
+            <a:pPr marL="0" indent="0">
+              <a:buNone/>
+            </a:pPr>
+            <a:endParaRPr lang="en-IN" sz="1600" dirty="0"/>
+          </a:p>
+          <a:p>
+            <a:pPr marL="0" indent="0">
+              <a:buNone/>
+            </a:pPr>
+            <a:r>
+              <a:rPr lang="en-IN" sz="1600" dirty="0"/>
+              <a:t>    </a:t>
+            </a:r>
+          </a:p>
+          <a:p>
+            <a:pPr marL="0" indent="0">
+              <a:buNone/>
+            </a:pPr>
+            <a:endParaRPr lang="en-IN" sz="1600" dirty="0"/>
+          </a:p>
+          <a:p>
+            <a:pPr marL="0" indent="0">
+              <a:buNone/>
+            </a:pPr>
+            <a:endParaRPr lang="en-IN" sz="1600" dirty="0"/>
+          </a:p>
+          <a:p>
+            <a:pPr marL="0" indent="0">
+              <a:buNone/>
+            </a:pPr>
+            <a:endParaRPr lang="en-IN" sz="1600" dirty="0"/>
+          </a:p>
+          <a:p>
+            <a:pPr marL="0" indent="0">
+              <a:buNone/>
+            </a:pPr>
+            <a:endParaRPr lang="en-IN" sz="1600" dirty="0"/>
+          </a:p>
+          <a:p>
+            <a:pPr marL="0" indent="0">
+              <a:buNone/>
+            </a:pPr>
+            <a:r>
+              <a:rPr lang="en-IN" sz="1600" dirty="0"/>
+              <a:t>    </a:t>
+            </a:r>
+          </a:p>
+          <a:p>
+            <a:pPr marL="0" indent="0">
+              <a:buNone/>
+            </a:pPr>
+            <a:endParaRPr lang="en-IN" sz="1600" dirty="0"/>
+          </a:p>
+          <a:p>
+            <a:pPr marL="0" indent="0">
+              <a:buNone/>
+            </a:pPr>
+            <a:endParaRPr lang="en-IN" sz="1600" dirty="0"/>
+          </a:p>
+          <a:p>
+            <a:pPr marL="0" indent="0">
+              <a:buNone/>
+            </a:pPr>
+            <a:endParaRPr lang="en-IN" sz="1600" dirty="0"/>
+          </a:p>
+          <a:p>
+            <a:pPr marL="0" indent="0">
+              <a:buNone/>
+            </a:pPr>
+            <a:endParaRPr lang="en-IN" sz="1600" dirty="0"/>
+          </a:p>
+        </p:txBody>
+      </p:sp>
+    </p:spTree>
+    <p:extLst>
+      <p:ext uri="{BB962C8B-B14F-4D97-AF65-F5344CB8AC3E}">
+        <p14:creationId xmlns:p14="http://schemas.microsoft.com/office/powerpoint/2010/main" val="2270419744"/>
+      </p:ext>
+    </p:extLst>
+  </p:cSld>
+  <p:clrMapOvr>
+    <a:masterClrMapping/>
+  </p:clrMapOvr>
+</p:sld>
+</file>
+
+<file path=ppt/slides/slide8.xml><?xml version="1.0" encoding="utf-8"?>
+<p:sld xmlns:a="http://schemas.openxmlformats.org/drawingml/2006/main" xmlns:r="http://schemas.openxmlformats.org/officeDocument/2006/relationships" xmlns:p="http://schemas.openxmlformats.org/presentationml/2006/main">
+  <p:cSld>
+    <p:spTree>
+      <p:nvGrpSpPr>
+        <p:cNvPr id="1" name=""/>
+        <p:cNvGrpSpPr/>
+        <p:nvPr/>
+      </p:nvGrpSpPr>
+      <p:grpSpPr>
+        <a:xfrm>
+          <a:off x="0" y="0"/>
+          <a:ext cx="0" cy="0"/>
+          <a:chOff x="0" y="0"/>
+          <a:chExt cx="0" cy="0"/>
+        </a:xfrm>
+      </p:grpSpPr>
+      <p:sp>
+        <p:nvSpPr>
+          <p:cNvPr id="2" name="Title 1">
+            <a:extLst>
+              <a:ext uri="{FF2B5EF4-FFF2-40B4-BE49-F238E27FC236}">
+                <a16:creationId xmlns:a16="http://schemas.microsoft.com/office/drawing/2014/main" id="{F4BB1FE5-CD7A-FCCB-F812-D0DD5707AD10}"/>
+              </a:ext>
+            </a:extLst>
+          </p:cNvPr>
+          <p:cNvSpPr>
+            <a:spLocks noGrp="1"/>
+          </p:cNvSpPr>
+          <p:nvPr>
+            <p:ph type="title"/>
+          </p:nvPr>
+        </p:nvSpPr>
+        <p:spPr>
+          <a:xfrm>
+            <a:off x="838200" y="365125"/>
+            <a:ext cx="10515600" cy="600075"/>
+          </a:xfrm>
+        </p:spPr>
+        <p:txBody>
+          <a:bodyPr>
+            <a:normAutofit/>
+          </a:bodyPr>
+          <a:lstStyle/>
+          <a:p>
+            <a:r>
+              <a:rPr lang="en-IN" sz="2400" b="1" dirty="0"/>
+              <a:t>Variables </a:t>
+            </a:r>
+            <a:r>
+              <a:rPr lang="en-IN" sz="2400" b="1" dirty="0" err="1"/>
+              <a:t>contd</a:t>
+            </a:r>
+            <a:r>
+              <a:rPr lang="en-IN" sz="2400" b="1" dirty="0"/>
+              <a:t>…</a:t>
+            </a:r>
+          </a:p>
+        </p:txBody>
+      </p:sp>
+      <p:sp>
+        <p:nvSpPr>
+          <p:cNvPr id="3" name="Content Placeholder 2">
+            <a:extLst>
+              <a:ext uri="{FF2B5EF4-FFF2-40B4-BE49-F238E27FC236}">
+                <a16:creationId xmlns:a16="http://schemas.microsoft.com/office/drawing/2014/main" id="{65737A35-65E9-A3AF-3A9E-DD8881A7C1D1}"/>
+              </a:ext>
+            </a:extLst>
+          </p:cNvPr>
+          <p:cNvSpPr>
+            <a:spLocks noGrp="1"/>
+          </p:cNvSpPr>
+          <p:nvPr>
+            <p:ph idx="1"/>
+          </p:nvPr>
+        </p:nvSpPr>
+        <p:spPr>
+          <a:xfrm>
+            <a:off x="838200" y="965200"/>
+            <a:ext cx="10515600" cy="5211763"/>
+          </a:xfrm>
+        </p:spPr>
+        <p:txBody>
+          <a:bodyPr>
+            <a:normAutofit/>
+          </a:bodyPr>
+          <a:lstStyle/>
+          <a:p>
+            <a:r>
+              <a:rPr lang="en-IN" sz="1800" b="1" dirty="0"/>
+              <a:t>System variables : </a:t>
+            </a:r>
+            <a:r>
+              <a:rPr lang="en-IN" sz="1800" dirty="0"/>
+              <a:t>which is also called environment </a:t>
+            </a:r>
+            <a:r>
+              <a:rPr lang="en-IN" sz="1800" dirty="0" err="1"/>
+              <a:t>varaibles</a:t>
+            </a:r>
+            <a:r>
+              <a:rPr lang="en-IN" sz="1800" dirty="0"/>
+              <a:t> set by the operating system and store </a:t>
+            </a:r>
+            <a:r>
+              <a:rPr lang="en-IN" sz="1800" dirty="0" err="1"/>
+              <a:t>oS</a:t>
+            </a:r>
+            <a:r>
+              <a:rPr lang="en-IN" sz="1800" dirty="0"/>
+              <a:t> </a:t>
+            </a:r>
+            <a:r>
+              <a:rPr lang="en-IN" sz="1800" dirty="0" err="1"/>
+              <a:t>info,which</a:t>
+            </a:r>
+            <a:r>
+              <a:rPr lang="en-IN" sz="1800" dirty="0"/>
+              <a:t> can not be changed regularly.</a:t>
+            </a:r>
+          </a:p>
+          <a:p>
+            <a:r>
+              <a:rPr lang="en-IN" sz="1800" dirty="0"/>
+              <a:t>Ex: $env: </a:t>
+            </a:r>
+            <a:r>
+              <a:rPr lang="en-IN" sz="1800" dirty="0" err="1"/>
+              <a:t>PSEXecutionPolicyPreference</a:t>
+            </a:r>
+            <a:endParaRPr lang="en-IN" sz="1800" dirty="0"/>
+          </a:p>
+          <a:p>
+            <a:r>
+              <a:rPr lang="en-IN" sz="1800" dirty="0"/>
+              <a:t>$</a:t>
+            </a:r>
+            <a:r>
+              <a:rPr lang="en-IN" sz="1800" dirty="0" err="1"/>
+              <a:t>env:PSMOdulePath</a:t>
+            </a:r>
+            <a:endParaRPr lang="en-IN" sz="1800" dirty="0"/>
+          </a:p>
+          <a:p>
+            <a:r>
+              <a:rPr lang="en-IN" sz="1800" dirty="0"/>
+              <a:t>$</a:t>
+            </a:r>
+            <a:r>
+              <a:rPr lang="en-IN" sz="1800" dirty="0" err="1"/>
+              <a:t>pshome</a:t>
+            </a:r>
+            <a:endParaRPr lang="en-IN" sz="1800" dirty="0"/>
+          </a:p>
+          <a:p>
+            <a:r>
+              <a:rPr lang="en-IN" sz="1800" dirty="0"/>
+              <a:t>$home</a:t>
+            </a:r>
+          </a:p>
+          <a:p>
+            <a:r>
+              <a:rPr lang="en-IN" sz="1800" dirty="0"/>
+              <a:t>$host</a:t>
+            </a:r>
+          </a:p>
+          <a:p>
+            <a:pPr marL="0" indent="0">
+              <a:buNone/>
+            </a:pPr>
+            <a:r>
+              <a:rPr lang="en-IN" sz="1800" b="1" dirty="0"/>
+              <a:t>Preference variables :</a:t>
+            </a:r>
+          </a:p>
+          <a:p>
+            <a:pPr marL="0" indent="0">
+              <a:buNone/>
+            </a:pPr>
+            <a:r>
+              <a:rPr lang="en-IN" sz="1800" dirty="0"/>
+              <a:t>Which is used to change the preference of current execution script or </a:t>
+            </a:r>
+            <a:r>
+              <a:rPr lang="en-IN" sz="1800" dirty="0" err="1"/>
+              <a:t>powershell</a:t>
+            </a:r>
+            <a:r>
+              <a:rPr lang="en-IN" sz="1800" dirty="0"/>
+              <a:t> window.</a:t>
+            </a:r>
+          </a:p>
+          <a:p>
+            <a:pPr marL="0" indent="0">
+              <a:buNone/>
+            </a:pPr>
+            <a:r>
+              <a:rPr lang="en-IN" sz="1800" dirty="0"/>
+              <a:t>Example :</a:t>
+            </a:r>
+          </a:p>
+          <a:p>
+            <a:pPr marL="0" indent="0">
+              <a:buNone/>
+            </a:pPr>
+            <a:r>
+              <a:rPr lang="en-IN" sz="1800" dirty="0"/>
+              <a:t>$</a:t>
+            </a:r>
+            <a:r>
+              <a:rPr lang="en-IN" sz="1800" dirty="0" err="1"/>
+              <a:t>MaximumHistoryCount</a:t>
+            </a:r>
+            <a:endParaRPr lang="en-IN" sz="1800" dirty="0"/>
+          </a:p>
+          <a:p>
+            <a:pPr marL="0" indent="0">
+              <a:buNone/>
+            </a:pPr>
+            <a:r>
+              <a:rPr lang="en-IN" sz="1800" dirty="0"/>
+              <a:t>$</a:t>
+            </a:r>
+            <a:r>
+              <a:rPr lang="en-IN" sz="1800" dirty="0" err="1"/>
+              <a:t>Confirmpreference</a:t>
+            </a:r>
+            <a:endParaRPr lang="en-IN" sz="1800" dirty="0"/>
+          </a:p>
+          <a:p>
+            <a:pPr marL="0" indent="0">
+              <a:buNone/>
+            </a:pPr>
+            <a:r>
+              <a:rPr lang="en-IN" sz="1800" dirty="0"/>
+              <a:t>$</a:t>
+            </a:r>
+            <a:r>
+              <a:rPr lang="en-IN" sz="1800" dirty="0" err="1"/>
+              <a:t>Informationpreference</a:t>
+            </a:r>
+            <a:endParaRPr lang="en-IN" sz="1800" dirty="0"/>
+          </a:p>
+          <a:p>
+            <a:pPr marL="0" indent="0">
+              <a:buNone/>
+            </a:pPr>
+            <a:r>
+              <a:rPr lang="en-IN" sz="1800" dirty="0"/>
+              <a:t>$</a:t>
+            </a:r>
+            <a:r>
+              <a:rPr lang="en-IN" sz="1800" dirty="0" err="1"/>
+              <a:t>warningpreference</a:t>
+            </a:r>
+            <a:endParaRPr lang="en-IN" sz="1800" dirty="0"/>
+          </a:p>
+          <a:p>
+            <a:pPr marL="0" indent="0">
+              <a:buNone/>
+            </a:pPr>
+            <a:endParaRPr lang="en-IN" sz="1800" b="1" dirty="0"/>
+          </a:p>
+          <a:p>
+            <a:endParaRPr lang="en-IN" sz="1800" dirty="0"/>
+          </a:p>
+          <a:p>
+            <a:endParaRPr lang="en-IN" sz="1800" dirty="0"/>
+          </a:p>
+        </p:txBody>
+      </p:sp>
+      <p:sp>
+        <p:nvSpPr>
+          <p:cNvPr id="4" name="Rectangle 1">
+            <a:extLst>
+              <a:ext uri="{FF2B5EF4-FFF2-40B4-BE49-F238E27FC236}">
+                <a16:creationId xmlns:a16="http://schemas.microsoft.com/office/drawing/2014/main" id="{B879C80D-B898-1118-479C-10A11156835B}"/>
+              </a:ext>
+            </a:extLst>
+          </p:cNvPr>
+          <p:cNvSpPr>
+            <a:spLocks noChangeArrowheads="1"/>
+          </p:cNvSpPr>
+          <p:nvPr/>
+        </p:nvSpPr>
+        <p:spPr bwMode="auto">
+          <a:xfrm>
+            <a:off x="0" y="-241059"/>
+            <a:ext cx="243644" cy="482119"/>
+          </a:xfrm>
+          <a:prstGeom prst="rect">
+            <a:avLst/>
+          </a:prstGeom>
+          <a:solidFill>
+            <a:srgbClr val="FFFFFF"/>
+          </a:solidFill>
+          <a:ln>
+            <a:noFill/>
+          </a:ln>
+          <a:effectLst/>
+          <a:extLst>
+            <a:ext uri="{91240B29-F687-4F45-9708-019B960494DF}">
+              <a14:hiddenLine xmlns:a14="http://schemas.microsoft.com/office/drawing/2010/main" w="9525">
+                <a:solidFill>
+                  <a:schemeClr val="tx1"/>
+                </a:solidFill>
+                <a:miter lim="800000"/>
+                <a:headEnd/>
+                <a:tailEnd/>
+              </a14:hiddenLine>
+            </a:ext>
+            <a:ext uri="{AF507438-7753-43E0-B8FC-AC1667EBCBE1}">
+              <a14:hiddenEffects xmlns:a14="http://schemas.microsoft.com/office/drawing/2010/main">
+                <a:effectLst>
+                  <a:outerShdw dist="35921" dir="2700000" algn="ctr" rotWithShape="0">
+                    <a:schemeClr val="bg2"/>
+                  </a:outerShdw>
+                </a:effectLst>
+              </a14:hiddenEffects>
+            </a:ext>
+          </a:extLst>
+        </p:spPr>
+        <p:txBody>
+          <a:bodyPr vert="horz" wrap="none" lIns="241224" tIns="101568" rIns="0" bIns="101568" numCol="1" anchor="ctr" anchorCtr="0" compatLnSpc="1">
+            <a:prstTxWarp prst="textNoShape">
+              <a:avLst/>
+            </a:prstTxWarp>
+            <a:spAutoFit/>
+          </a:bodyPr>
+          <a:lstStyle/>
+          <a:p>
+            <a:pPr marL="0" marR="0" lvl="0" indent="0" algn="l" defTabSz="914400" rtl="0" eaLnBrk="0" fontAlgn="base" latinLnBrk="0" hangingPunct="0">
+              <a:lnSpc>
+                <a:spcPct val="100000"/>
+              </a:lnSpc>
+              <a:spcBef>
+                <a:spcPct val="0"/>
+              </a:spcBef>
+              <a:spcAft>
+                <a:spcPct val="0"/>
+              </a:spcAft>
+              <a:buClrTx/>
+              <a:buSzTx/>
+              <a:buFontTx/>
+              <a:buNone/>
+              <a:tabLst/>
+            </a:pPr>
+            <a:endParaRPr kumimoji="0" lang="en-US" altLang="en-US" sz="1800" b="0" i="0" u="none" strike="noStrike" cap="none" normalizeH="0" baseline="0" dirty="0">
+              <a:ln>
+                <a:noFill/>
+              </a:ln>
+              <a:solidFill>
+                <a:schemeClr val="tx1"/>
+              </a:solidFill>
+              <a:effectLst/>
+              <a:latin typeface="Arial" panose="020B0604020202020204" pitchFamily="34" charset="0"/>
+            </a:endParaRPr>
+          </a:p>
+        </p:txBody>
+      </p:sp>
+    </p:spTree>
+    <p:extLst>
+      <p:ext uri="{BB962C8B-B14F-4D97-AF65-F5344CB8AC3E}">
+        <p14:creationId xmlns:p14="http://schemas.microsoft.com/office/powerpoint/2010/main" val="2970137324"/>
+      </p:ext>
+    </p:extLst>
+  </p:cSld>
+  <p:clrMapOvr>
+    <a:masterClrMapping/>
+  </p:clrMapOvr>
+</p:sld>
+</file>
+
+<file path=ppt/slides/slide9.xml><?xml version="1.0" encoding="utf-8"?>
+<p:sld xmlns:a="http://schemas.openxmlformats.org/drawingml/2006/main" xmlns:r="http://schemas.openxmlformats.org/officeDocument/2006/relationships" xmlns:p="http://schemas.openxmlformats.org/presentationml/2006/main">
+  <p:cSld>
+    <p:spTree>
+      <p:nvGrpSpPr>
+        <p:cNvPr id="1" name=""/>
+        <p:cNvGrpSpPr/>
+        <p:nvPr/>
+      </p:nvGrpSpPr>
+      <p:grpSpPr>
+        <a:xfrm>
+          <a:off x="0" y="0"/>
+          <a:ext cx="0" cy="0"/>
+          <a:chOff x="0" y="0"/>
+          <a:chExt cx="0" cy="0"/>
+        </a:xfrm>
+      </p:grpSpPr>
+      <p:sp>
+        <p:nvSpPr>
+          <p:cNvPr id="2" name="Title 1">
+            <a:extLst>
+              <a:ext uri="{FF2B5EF4-FFF2-40B4-BE49-F238E27FC236}">
+                <a16:creationId xmlns:a16="http://schemas.microsoft.com/office/drawing/2014/main" id="{0122A4E9-F6CD-9FF8-522E-612507219B57}"/>
+              </a:ext>
+            </a:extLst>
+          </p:cNvPr>
+          <p:cNvSpPr>
+            <a:spLocks noGrp="1"/>
+          </p:cNvSpPr>
+          <p:nvPr>
+            <p:ph type="title"/>
+          </p:nvPr>
+        </p:nvSpPr>
+        <p:spPr>
+          <a:xfrm>
+            <a:off x="838200" y="365125"/>
+            <a:ext cx="10515600" cy="366395"/>
+          </a:xfrm>
+        </p:spPr>
+        <p:txBody>
+          <a:bodyPr>
+            <a:normAutofit/>
+          </a:bodyPr>
+          <a:lstStyle/>
+          <a:p>
+            <a:r>
+              <a:rPr lang="en-IN" sz="2000" b="1" dirty="0"/>
+              <a:t>Variables contd..</a:t>
+            </a:r>
+          </a:p>
+        </p:txBody>
+      </p:sp>
+      <p:sp>
+        <p:nvSpPr>
+          <p:cNvPr id="3" name="Content Placeholder 2">
+            <a:extLst>
+              <a:ext uri="{FF2B5EF4-FFF2-40B4-BE49-F238E27FC236}">
+                <a16:creationId xmlns:a16="http://schemas.microsoft.com/office/drawing/2014/main" id="{6A910EFC-928C-DE95-E573-C4C104054C7B}"/>
+              </a:ext>
+            </a:extLst>
+          </p:cNvPr>
+          <p:cNvSpPr>
+            <a:spLocks noGrp="1"/>
+          </p:cNvSpPr>
+          <p:nvPr>
+            <p:ph idx="1"/>
+          </p:nvPr>
+        </p:nvSpPr>
+        <p:spPr>
+          <a:xfrm>
+            <a:off x="716280" y="934720"/>
+            <a:ext cx="10515600" cy="6159359"/>
+          </a:xfrm>
+        </p:spPr>
+        <p:txBody>
+          <a:bodyPr>
+            <a:normAutofit/>
+          </a:bodyPr>
+          <a:lstStyle/>
+          <a:p>
+            <a:pPr algn="l"/>
+            <a:r>
+              <a:rPr lang="en-US" sz="1800" b="1" i="0" dirty="0">
+                <a:solidFill>
+                  <a:srgbClr val="333333"/>
+                </a:solidFill>
+                <a:effectLst/>
+              </a:rPr>
+              <a:t>What is the difference between a read-only variable and a constant?</a:t>
+            </a:r>
+          </a:p>
+          <a:p>
+            <a:pPr marL="0" indent="0" algn="l">
+              <a:buNone/>
+            </a:pPr>
+            <a:r>
+              <a:rPr lang="en-US" sz="1800" b="0" i="0" dirty="0">
+                <a:solidFill>
+                  <a:srgbClr val="333333"/>
+                </a:solidFill>
+                <a:effectLst/>
+              </a:rPr>
+              <a:t> A read-only variable is one with content that is </a:t>
+            </a:r>
+            <a:r>
+              <a:rPr lang="en-US" sz="1800" b="1" i="0" dirty="0">
+                <a:solidFill>
+                  <a:srgbClr val="333333"/>
+                </a:solidFill>
+                <a:effectLst/>
+              </a:rPr>
+              <a:t>read-only</a:t>
+            </a:r>
+            <a:r>
+              <a:rPr lang="en-US" sz="1800" b="0" i="0" dirty="0">
+                <a:solidFill>
+                  <a:srgbClr val="333333"/>
+                </a:solidFill>
+                <a:effectLst/>
+              </a:rPr>
+              <a:t>. It can, however, be modified by using the S</a:t>
+            </a:r>
+            <a:r>
+              <a:rPr lang="en-US" sz="1800" b="1" i="0" dirty="0">
+                <a:solidFill>
+                  <a:srgbClr val="333333"/>
+                </a:solidFill>
+                <a:effectLst/>
+              </a:rPr>
+              <a:t>et-Variable</a:t>
+            </a:r>
+            <a:r>
+              <a:rPr lang="en-US" sz="1800" b="0" i="0" dirty="0">
+                <a:solidFill>
+                  <a:srgbClr val="333333"/>
+                </a:solidFill>
+                <a:effectLst/>
+              </a:rPr>
+              <a:t> cmdlet with the </a:t>
+            </a:r>
+            <a:r>
+              <a:rPr lang="en-US" sz="1800" b="1" i="0" dirty="0">
+                <a:solidFill>
+                  <a:srgbClr val="333333"/>
+                </a:solidFill>
+                <a:effectLst/>
+              </a:rPr>
+              <a:t>–force</a:t>
+            </a:r>
+            <a:r>
+              <a:rPr lang="en-US" sz="1800" b="0" i="0" dirty="0">
+                <a:solidFill>
+                  <a:srgbClr val="333333"/>
+                </a:solidFill>
+                <a:effectLst/>
+              </a:rPr>
+              <a:t> parameter. It can also be deleted by using R</a:t>
+            </a:r>
+            <a:r>
+              <a:rPr lang="en-US" sz="1800" b="1" i="0" dirty="0">
+                <a:solidFill>
+                  <a:srgbClr val="333333"/>
+                </a:solidFill>
+                <a:effectLst/>
+              </a:rPr>
+              <a:t>emove-Variable –force</a:t>
+            </a:r>
+            <a:r>
+              <a:rPr lang="en-US" sz="1800" b="0" i="0" dirty="0">
+                <a:solidFill>
+                  <a:srgbClr val="333333"/>
+                </a:solidFill>
+                <a:effectLst/>
+              </a:rPr>
+              <a:t>.  </a:t>
+            </a:r>
+          </a:p>
+          <a:p>
+            <a:pPr marL="0" indent="0" algn="l">
+              <a:buNone/>
+            </a:pPr>
+            <a:endParaRPr lang="en-US" sz="1800" dirty="0">
+              <a:solidFill>
+                <a:srgbClr val="333333"/>
+              </a:solidFill>
+            </a:endParaRPr>
+          </a:p>
+          <a:p>
+            <a:pPr marL="0" indent="0" algn="l">
+              <a:buNone/>
+            </a:pPr>
+            <a:endParaRPr lang="en-US" sz="1800" dirty="0">
+              <a:solidFill>
+                <a:srgbClr val="333333"/>
+              </a:solidFill>
+            </a:endParaRPr>
+          </a:p>
+          <a:p>
+            <a:pPr marL="0" indent="0" algn="l">
+              <a:buNone/>
+            </a:pPr>
+            <a:endParaRPr lang="en-US" sz="1800" dirty="0">
+              <a:solidFill>
+                <a:srgbClr val="333333"/>
+              </a:solidFill>
+            </a:endParaRPr>
+          </a:p>
+          <a:p>
+            <a:pPr marL="0" indent="0" algn="l">
+              <a:buNone/>
+            </a:pPr>
+            <a:endParaRPr lang="en-US" sz="1800" b="0" i="0" dirty="0">
+              <a:solidFill>
+                <a:srgbClr val="333333"/>
+              </a:solidFill>
+              <a:effectLst/>
+            </a:endParaRPr>
+          </a:p>
+          <a:p>
+            <a:pPr marL="0" indent="0" algn="l">
+              <a:buNone/>
+            </a:pPr>
+            <a:endParaRPr lang="en-US" sz="1800" dirty="0">
+              <a:solidFill>
+                <a:srgbClr val="333333"/>
+              </a:solidFill>
+            </a:endParaRPr>
+          </a:p>
+          <a:p>
+            <a:r>
+              <a:rPr lang="en-US" sz="1800" b="0" i="0" dirty="0">
+                <a:solidFill>
+                  <a:srgbClr val="333333"/>
+                </a:solidFill>
+                <a:effectLst/>
+              </a:rPr>
+              <a:t>A constant variable, however, cannot be deleted, nor can it be modified–even when using the force.</a:t>
+            </a:r>
+          </a:p>
+          <a:p>
+            <a:pPr algn="l"/>
+            <a:endParaRPr lang="en-US" sz="1800" b="0" i="0" dirty="0">
+              <a:solidFill>
+                <a:srgbClr val="333333"/>
+              </a:solidFill>
+              <a:effectLst/>
+            </a:endParaRPr>
           </a:p>
         </p:txBody>
       </p:sp>
       <p:pic>
         <p:nvPicPr>
-          <p:cNvPr id="5" name="Picture 4">
-            <a:extLst>
-              <a:ext uri="{FF2B5EF4-FFF2-40B4-BE49-F238E27FC236}">
-                <a16:creationId xmlns:a16="http://schemas.microsoft.com/office/drawing/2014/main" id="{D7133355-0CE5-B9C4-5E4D-A28CFEC8EDBA}"/>
+          <p:cNvPr id="4" name="Picture 3">
+            <a:extLst>
+              <a:ext uri="{FF2B5EF4-FFF2-40B4-BE49-F238E27FC236}">
+                <a16:creationId xmlns:a16="http://schemas.microsoft.com/office/drawing/2014/main" id="{C1EAD094-998C-2B7C-F548-99B451EFB421}"/>
               </a:ext>
             </a:extLst>
           </p:cNvPr>
@@ -4262,8 +7872,38 @@
         </p:blipFill>
         <p:spPr>
           <a:xfrm>
-            <a:off x="1517415" y="2621280"/>
-            <a:ext cx="6458185" cy="3871595"/>
+            <a:off x="960120" y="1896309"/>
+            <a:ext cx="9055565" cy="1905098"/>
+          </a:xfrm>
+          <a:prstGeom prst="rect">
+            <a:avLst/>
+          </a:prstGeom>
+        </p:spPr>
+      </p:pic>
+      <p:pic>
+        <p:nvPicPr>
+          <p:cNvPr id="6" name="Picture 5">
+            <a:extLst>
+              <a:ext uri="{FF2B5EF4-FFF2-40B4-BE49-F238E27FC236}">
+                <a16:creationId xmlns:a16="http://schemas.microsoft.com/office/drawing/2014/main" id="{E0D97418-D810-A007-A042-16385CF1AE58}"/>
+              </a:ext>
+            </a:extLst>
+          </p:cNvPr>
+          <p:cNvPicPr>
+            <a:picLocks noChangeAspect="1"/>
+          </p:cNvPicPr>
+          <p:nvPr/>
+        </p:nvPicPr>
+        <p:blipFill>
+          <a:blip r:embed="rId3"/>
+          <a:stretch>
+            <a:fillRect/>
+          </a:stretch>
+        </p:blipFill>
+        <p:spPr>
+          <a:xfrm>
+            <a:off x="1137920" y="4152762"/>
+            <a:ext cx="8671770" cy="2340114"/>
           </a:xfrm>
           <a:prstGeom prst="rect">
             <a:avLst/>
@@ -4273,7 +7913,7 @@
     </p:spTree>
     <p:extLst>
       <p:ext uri="{BB962C8B-B14F-4D97-AF65-F5344CB8AC3E}">
-        <p14:creationId xmlns:p14="http://schemas.microsoft.com/office/powerpoint/2010/main" val="3507629685"/>
+        <p14:creationId xmlns:p14="http://schemas.microsoft.com/office/powerpoint/2010/main" val="1350021441"/>
       </p:ext>
     </p:extLst>
   </p:cSld>
